--- a/slides/pollutionchains.pptx
+++ b/slides/pollutionchains.pptx
@@ -262,7 +262,7 @@
           <a:p>
             <a:fld id="{0CEB5992-B99D-43F2-ADE2-1A645F897579}" type="datetimeFigureOut">
               <a:rPr lang="en-GB" smtClean="0"/>
-              <a:t>20/11/2020</a:t>
+              <a:t>21/11/2020</a:t>
             </a:fld>
             <a:endParaRPr lang="en-GB"/>
           </a:p>
@@ -462,7 +462,7 @@
           <a:p>
             <a:fld id="{0CEB5992-B99D-43F2-ADE2-1A645F897579}" type="datetimeFigureOut">
               <a:rPr lang="en-GB" smtClean="0"/>
-              <a:t>20/11/2020</a:t>
+              <a:t>21/11/2020</a:t>
             </a:fld>
             <a:endParaRPr lang="en-GB"/>
           </a:p>
@@ -672,7 +672,7 @@
           <a:p>
             <a:fld id="{0CEB5992-B99D-43F2-ADE2-1A645F897579}" type="datetimeFigureOut">
               <a:rPr lang="en-GB" smtClean="0"/>
-              <a:t>20/11/2020</a:t>
+              <a:t>21/11/2020</a:t>
             </a:fld>
             <a:endParaRPr lang="en-GB"/>
           </a:p>
@@ -872,7 +872,7 @@
           <a:p>
             <a:fld id="{0CEB5992-B99D-43F2-ADE2-1A645F897579}" type="datetimeFigureOut">
               <a:rPr lang="en-GB" smtClean="0"/>
-              <a:t>20/11/2020</a:t>
+              <a:t>21/11/2020</a:t>
             </a:fld>
             <a:endParaRPr lang="en-GB"/>
           </a:p>
@@ -1148,7 +1148,7 @@
           <a:p>
             <a:fld id="{0CEB5992-B99D-43F2-ADE2-1A645F897579}" type="datetimeFigureOut">
               <a:rPr lang="en-GB" smtClean="0"/>
-              <a:t>20/11/2020</a:t>
+              <a:t>21/11/2020</a:t>
             </a:fld>
             <a:endParaRPr lang="en-GB"/>
           </a:p>
@@ -1416,7 +1416,7 @@
           <a:p>
             <a:fld id="{0CEB5992-B99D-43F2-ADE2-1A645F897579}" type="datetimeFigureOut">
               <a:rPr lang="en-GB" smtClean="0"/>
-              <a:t>20/11/2020</a:t>
+              <a:t>21/11/2020</a:t>
             </a:fld>
             <a:endParaRPr lang="en-GB"/>
           </a:p>
@@ -1831,7 +1831,7 @@
           <a:p>
             <a:fld id="{0CEB5992-B99D-43F2-ADE2-1A645F897579}" type="datetimeFigureOut">
               <a:rPr lang="en-GB" smtClean="0"/>
-              <a:t>20/11/2020</a:t>
+              <a:t>21/11/2020</a:t>
             </a:fld>
             <a:endParaRPr lang="en-GB"/>
           </a:p>
@@ -1973,7 +1973,7 @@
           <a:p>
             <a:fld id="{0CEB5992-B99D-43F2-ADE2-1A645F897579}" type="datetimeFigureOut">
               <a:rPr lang="en-GB" smtClean="0"/>
-              <a:t>20/11/2020</a:t>
+              <a:t>21/11/2020</a:t>
             </a:fld>
             <a:endParaRPr lang="en-GB"/>
           </a:p>
@@ -2086,7 +2086,7 @@
           <a:p>
             <a:fld id="{0CEB5992-B99D-43F2-ADE2-1A645F897579}" type="datetimeFigureOut">
               <a:rPr lang="en-GB" smtClean="0"/>
-              <a:t>20/11/2020</a:t>
+              <a:t>21/11/2020</a:t>
             </a:fld>
             <a:endParaRPr lang="en-GB"/>
           </a:p>
@@ -2399,7 +2399,7 @@
           <a:p>
             <a:fld id="{0CEB5992-B99D-43F2-ADE2-1A645F897579}" type="datetimeFigureOut">
               <a:rPr lang="en-GB" smtClean="0"/>
-              <a:t>20/11/2020</a:t>
+              <a:t>21/11/2020</a:t>
             </a:fld>
             <a:endParaRPr lang="en-GB"/>
           </a:p>
@@ -2688,7 +2688,7 @@
           <a:p>
             <a:fld id="{0CEB5992-B99D-43F2-ADE2-1A645F897579}" type="datetimeFigureOut">
               <a:rPr lang="en-GB" smtClean="0"/>
-              <a:t>20/11/2020</a:t>
+              <a:t>21/11/2020</a:t>
             </a:fld>
             <a:endParaRPr lang="en-GB"/>
           </a:p>
@@ -2931,7 +2931,7 @@
           <a:p>
             <a:fld id="{0CEB5992-B99D-43F2-ADE2-1A645F897579}" type="datetimeFigureOut">
               <a:rPr lang="en-GB" smtClean="0"/>
-              <a:t>20/11/2020</a:t>
+              <a:t>21/11/2020</a:t>
             </a:fld>
             <a:endParaRPr lang="en-GB"/>
           </a:p>
@@ -3397,7 +3397,7 @@
         </p:nvSpPr>
         <p:spPr>
           <a:xfrm>
-            <a:off x="7163872" y="2421365"/>
+            <a:off x="6783946" y="891605"/>
             <a:ext cx="2466305" cy="369332"/>
           </a:xfrm>
           <a:prstGeom prst="rect">
@@ -3516,43 +3516,6 @@
               </a:ext>
             </a:extLst>
           </p:cNvPr>
-          <p:cNvCxnSpPr/>
-          <p:nvPr/>
-        </p:nvCxnSpPr>
-        <p:spPr>
-          <a:xfrm flipV="1">
-            <a:off x="2395470" y="2538348"/>
-            <a:ext cx="5582992" cy="1252471"/>
-          </a:xfrm>
-          <a:prstGeom prst="line">
-            <a:avLst/>
-          </a:prstGeom>
-          <a:ln w="38100"/>
-        </p:spPr>
-        <p:style>
-          <a:lnRef idx="1">
-            <a:schemeClr val="accent1"/>
-          </a:lnRef>
-          <a:fillRef idx="0">
-            <a:schemeClr val="accent1"/>
-          </a:fillRef>
-          <a:effectRef idx="0">
-            <a:schemeClr val="accent1"/>
-          </a:effectRef>
-          <a:fontRef idx="minor">
-            <a:schemeClr val="tx1"/>
-          </a:fontRef>
-        </p:style>
-      </p:cxnSp>
-      <p:cxnSp>
-        <p:nvCxnSpPr>
-          <p:cNvPr id="39" name="Straight Connector 38">
-            <a:extLst>
-              <a:ext uri="{FF2B5EF4-FFF2-40B4-BE49-F238E27FC236}">
-                <a16:creationId xmlns:a16="http://schemas.microsoft.com/office/drawing/2014/main" id="{5783E55B-5BFC-4EDA-8B8F-4B4233953453}"/>
-              </a:ext>
-            </a:extLst>
-          </p:cNvPr>
           <p:cNvCxnSpPr>
             <a:cxnSpLocks/>
           </p:cNvCxnSpPr>
@@ -3560,8 +3523,8 @@
         </p:nvCxnSpPr>
         <p:spPr>
           <a:xfrm flipV="1">
-            <a:off x="2395470" y="3651161"/>
-            <a:ext cx="6381482" cy="666678"/>
+            <a:off x="2440546" y="1217054"/>
+            <a:ext cx="5325415" cy="2511381"/>
           </a:xfrm>
           <a:prstGeom prst="line">
             <a:avLst/>
@@ -3587,6 +3550,49 @@
           </a:fontRef>
         </p:style>
       </p:cxnSp>
+      <p:cxnSp>
+        <p:nvCxnSpPr>
+          <p:cNvPr id="39" name="Straight Connector 38">
+            <a:extLst>
+              <a:ext uri="{FF2B5EF4-FFF2-40B4-BE49-F238E27FC236}">
+                <a16:creationId xmlns:a16="http://schemas.microsoft.com/office/drawing/2014/main" id="{5783E55B-5BFC-4EDA-8B8F-4B4233953453}"/>
+              </a:ext>
+            </a:extLst>
+          </p:cNvPr>
+          <p:cNvCxnSpPr>
+            <a:cxnSpLocks/>
+          </p:cNvCxnSpPr>
+          <p:nvPr/>
+        </p:nvCxnSpPr>
+        <p:spPr>
+          <a:xfrm flipV="1">
+            <a:off x="2440546" y="3651161"/>
+            <a:ext cx="6336406" cy="637504"/>
+          </a:xfrm>
+          <a:prstGeom prst="line">
+            <a:avLst/>
+          </a:prstGeom>
+          <a:ln w="38100">
+            <a:solidFill>
+              <a:srgbClr val="00B0F0"/>
+            </a:solidFill>
+          </a:ln>
+        </p:spPr>
+        <p:style>
+          <a:lnRef idx="1">
+            <a:schemeClr val="accent1"/>
+          </a:lnRef>
+          <a:fillRef idx="0">
+            <a:schemeClr val="accent1"/>
+          </a:fillRef>
+          <a:effectRef idx="0">
+            <a:schemeClr val="accent1"/>
+          </a:effectRef>
+          <a:fontRef idx="minor">
+            <a:schemeClr val="tx1"/>
+          </a:fontRef>
+        </p:style>
+      </p:cxnSp>
       <p:sp>
         <p:nvSpPr>
           <p:cNvPr id="13" name="TextBox 12">
@@ -3654,29 +3660,29 @@
             <a:pPr algn="ctr"/>
             <a:r>
               <a:rPr lang="en-GB" dirty="0"/>
-              <a:t>Wage</a:t>
-            </a:r>
-          </a:p>
-        </p:txBody>
-      </p:sp>
-      <p:cxnSp>
-        <p:nvCxnSpPr>
-          <p:cNvPr id="10" name="Straight Connector 9">
-            <a:extLst>
-              <a:ext uri="{FF2B5EF4-FFF2-40B4-BE49-F238E27FC236}">
-                <a16:creationId xmlns:a16="http://schemas.microsoft.com/office/drawing/2014/main" id="{FB2DA72C-F5E5-44F9-959A-69ED7292F3C9}"/>
-              </a:ext>
-            </a:extLst>
-          </p:cNvPr>
-          <p:cNvCxnSpPr/>
+              <a:t>log(Wage)</a:t>
+            </a:r>
+          </a:p>
+        </p:txBody>
+      </p:sp>
+      <p:sp>
+        <p:nvSpPr>
+          <p:cNvPr id="8" name="Left Brace 7">
+            <a:extLst>
+              <a:ext uri="{FF2B5EF4-FFF2-40B4-BE49-F238E27FC236}">
+                <a16:creationId xmlns:a16="http://schemas.microsoft.com/office/drawing/2014/main" id="{CFD2F6B0-BE68-4E80-ADB0-209B5C6229FE}"/>
+              </a:ext>
+            </a:extLst>
+          </p:cNvPr>
+          <p:cNvSpPr/>
           <p:nvPr/>
-        </p:nvCxnSpPr>
+        </p:nvSpPr>
         <p:spPr>
           <a:xfrm>
-            <a:off x="4681470" y="4679033"/>
-            <a:ext cx="0" cy="236551"/>
+            <a:off x="1869014" y="3728435"/>
+            <a:ext cx="206061" cy="1083378"/>
           </a:xfrm>
-          <a:prstGeom prst="line">
+          <a:prstGeom prst="leftBrace">
             <a:avLst/>
           </a:prstGeom>
         </p:spPr>
@@ -3694,42 +3700,755 @@
             <a:schemeClr val="tx1"/>
           </a:fontRef>
         </p:style>
+        <p:txBody>
+          <a:bodyPr rtlCol="0" anchor="ctr"/>
+          <a:lstStyle/>
+          <a:p>
+            <a:pPr algn="ctr"/>
+            <a:endParaRPr lang="en-GB"/>
+          </a:p>
+        </p:txBody>
+      </p:sp>
+      <mc:AlternateContent xmlns:mc="http://schemas.openxmlformats.org/markup-compatibility/2006">
+        <mc:Choice xmlns:a14="http://schemas.microsoft.com/office/drawing/2010/main" Requires="a14">
+          <p:sp>
+            <p:nvSpPr>
+              <p:cNvPr id="9" name="TextBox 8">
+                <a:extLst>
+                  <a:ext uri="{FF2B5EF4-FFF2-40B4-BE49-F238E27FC236}">
+                    <a16:creationId xmlns:a16="http://schemas.microsoft.com/office/drawing/2014/main" id="{EDD40774-A948-4BE9-8128-61E3A9ED8B94}"/>
+                  </a:ext>
+                </a:extLst>
+              </p:cNvPr>
+              <p:cNvSpPr txBox="1"/>
+              <p:nvPr/>
+            </p:nvSpPr>
+            <p:spPr>
+              <a:xfrm>
+                <a:off x="1429555" y="4057669"/>
+                <a:ext cx="438260" cy="338554"/>
+              </a:xfrm>
+              <a:prstGeom prst="rect">
+                <a:avLst/>
+              </a:prstGeom>
+              <a:noFill/>
+            </p:spPr>
+            <p:txBody>
+              <a:bodyPr wrap="none" rtlCol="0">
+                <a:spAutoFit/>
+              </a:bodyPr>
+              <a:lstStyle/>
+              <a:p>
+                <a14:m>
+                  <m:oMathPara xmlns:m="http://schemas.openxmlformats.org/officeDocument/2006/math">
+                    <m:oMathParaPr>
+                      <m:jc m:val="centerGroup"/>
+                    </m:oMathParaPr>
+                    <m:oMath xmlns:m="http://schemas.openxmlformats.org/officeDocument/2006/math">
+                      <m:sSub>
+                        <m:sSubPr>
+                          <m:ctrlPr>
+                            <a:rPr lang="en-GB" sz="1600" b="0" i="1" smtClean="0">
+                              <a:latin typeface="Cambria Math" panose="02040503050406030204" pitchFamily="18" charset="0"/>
+                            </a:rPr>
+                          </m:ctrlPr>
+                        </m:sSubPr>
+                        <m:e>
+                          <m:r>
+                            <a:rPr lang="en-GB" sz="1600" b="0" i="1" smtClean="0">
+                              <a:latin typeface="Cambria Math" panose="02040503050406030204" pitchFamily="18" charset="0"/>
+                            </a:rPr>
+                            <m:t>𝛽</m:t>
+                          </m:r>
+                        </m:e>
+                        <m:sub>
+                          <m:r>
+                            <a:rPr lang="en-GB" sz="1600" b="0" i="1" smtClean="0">
+                              <a:latin typeface="Cambria Math" panose="02040503050406030204" pitchFamily="18" charset="0"/>
+                            </a:rPr>
+                            <m:t>0</m:t>
+                          </m:r>
+                        </m:sub>
+                      </m:sSub>
+                    </m:oMath>
+                  </m:oMathPara>
+                </a14:m>
+                <a:endParaRPr lang="en-GB" sz="1600" dirty="0"/>
+              </a:p>
+            </p:txBody>
+          </p:sp>
+        </mc:Choice>
+        <mc:Fallback>
+          <p:sp>
+            <p:nvSpPr>
+              <p:cNvPr id="9" name="TextBox 8">
+                <a:extLst>
+                  <a:ext uri="{FF2B5EF4-FFF2-40B4-BE49-F238E27FC236}">
+                    <a16:creationId xmlns:a16="http://schemas.microsoft.com/office/drawing/2014/main" id="{EDD40774-A948-4BE9-8128-61E3A9ED8B94}"/>
+                  </a:ext>
+                </a:extLst>
+              </p:cNvPr>
+              <p:cNvSpPr txBox="1">
+                <a:spLocks noRot="1" noChangeAspect="1" noMove="1" noResize="1" noEditPoints="1" noAdjustHandles="1" noChangeArrowheads="1" noChangeShapeType="1" noTextEdit="1"/>
+              </p:cNvSpPr>
+              <p:nvPr/>
+            </p:nvSpPr>
+            <p:spPr>
+              <a:xfrm>
+                <a:off x="1429555" y="4057669"/>
+                <a:ext cx="438260" cy="338554"/>
+              </a:xfrm>
+              <a:prstGeom prst="rect">
+                <a:avLst/>
+              </a:prstGeom>
+              <a:blipFill>
+                <a:blip r:embed="rId2"/>
+                <a:stretch>
+                  <a:fillRect b="-10909"/>
+                </a:stretch>
+              </a:blipFill>
+            </p:spPr>
+            <p:txBody>
+              <a:bodyPr/>
+              <a:lstStyle/>
+              <a:p>
+                <a:r>
+                  <a:rPr lang="en-GB">
+                    <a:noFill/>
+                  </a:rPr>
+                  <a:t> </a:t>
+                </a:r>
+              </a:p>
+            </p:txBody>
+          </p:sp>
+        </mc:Fallback>
+      </mc:AlternateContent>
+      <p:cxnSp>
+        <p:nvCxnSpPr>
+          <p:cNvPr id="20" name="Straight Connector 19">
+            <a:extLst>
+              <a:ext uri="{FF2B5EF4-FFF2-40B4-BE49-F238E27FC236}">
+                <a16:creationId xmlns:a16="http://schemas.microsoft.com/office/drawing/2014/main" id="{C6765224-9E1C-4E95-B740-D3C3F363301D}"/>
+              </a:ext>
+            </a:extLst>
+          </p:cNvPr>
+          <p:cNvCxnSpPr>
+            <a:cxnSpLocks/>
+          </p:cNvCxnSpPr>
+          <p:nvPr/>
+        </p:nvCxnSpPr>
+        <p:spPr>
+          <a:xfrm flipV="1">
+            <a:off x="2440546" y="1777284"/>
+            <a:ext cx="5325415" cy="2511381"/>
+          </a:xfrm>
+          <a:prstGeom prst="line">
+            <a:avLst/>
+          </a:prstGeom>
+          <a:ln w="9525">
+            <a:solidFill>
+              <a:srgbClr val="D92FA8"/>
+            </a:solidFill>
+            <a:prstDash val="sysDash"/>
+          </a:ln>
+        </p:spPr>
+        <p:style>
+          <a:lnRef idx="1">
+            <a:schemeClr val="accent1"/>
+          </a:lnRef>
+          <a:fillRef idx="0">
+            <a:schemeClr val="accent1"/>
+          </a:fillRef>
+          <a:effectRef idx="0">
+            <a:schemeClr val="accent1"/>
+          </a:effectRef>
+          <a:fontRef idx="minor">
+            <a:schemeClr val="tx1"/>
+          </a:fontRef>
+        </p:style>
       </p:cxnSp>
-      <p:sp>
-        <p:nvSpPr>
-          <p:cNvPr id="11" name="TextBox 10">
-            <a:extLst>
-              <a:ext uri="{FF2B5EF4-FFF2-40B4-BE49-F238E27FC236}">
-                <a16:creationId xmlns:a16="http://schemas.microsoft.com/office/drawing/2014/main" id="{E528BED6-3965-481C-A822-DAC16C22A05D}"/>
-              </a:ext>
-            </a:extLst>
-          </p:cNvPr>
-          <p:cNvSpPr txBox="1"/>
+      <p:cxnSp>
+        <p:nvCxnSpPr>
+          <p:cNvPr id="24" name="Straight Connector 23">
+            <a:extLst>
+              <a:ext uri="{FF2B5EF4-FFF2-40B4-BE49-F238E27FC236}">
+                <a16:creationId xmlns:a16="http://schemas.microsoft.com/office/drawing/2014/main" id="{6B322524-F2BF-4A42-9DBE-4D79F863CBAB}"/>
+              </a:ext>
+            </a:extLst>
+          </p:cNvPr>
+          <p:cNvCxnSpPr>
+            <a:cxnSpLocks/>
+          </p:cNvCxnSpPr>
           <p:nvPr/>
-        </p:nvSpPr>
+        </p:nvCxnSpPr>
         <p:spPr>
           <a:xfrm>
-            <a:off x="4282225" y="5012751"/>
-            <a:ext cx="964944" cy="369332"/>
+            <a:off x="2440546" y="3728435"/>
+            <a:ext cx="1365161" cy="0"/>
           </a:xfrm>
-          <a:prstGeom prst="rect">
+          <a:prstGeom prst="line">
             <a:avLst/>
           </a:prstGeom>
-          <a:noFill/>
+          <a:ln>
+            <a:solidFill>
+              <a:srgbClr val="D92FA8"/>
+            </a:solidFill>
+          </a:ln>
         </p:spPr>
-        <p:txBody>
-          <a:bodyPr wrap="none" rtlCol="0">
-            <a:spAutoFit/>
+        <p:style>
+          <a:lnRef idx="1">
+            <a:schemeClr val="accent1"/>
+          </a:lnRef>
+          <a:fillRef idx="0">
+            <a:schemeClr val="accent1"/>
+          </a:fillRef>
+          <a:effectRef idx="0">
+            <a:schemeClr val="accent1"/>
+          </a:effectRef>
+          <a:fontRef idx="minor">
+            <a:schemeClr val="tx1"/>
+          </a:fontRef>
+        </p:style>
+      </p:cxnSp>
+      <p:sp>
+        <p:nvSpPr>
+          <p:cNvPr id="25" name="Arc 24">
+            <a:extLst>
+              <a:ext uri="{FF2B5EF4-FFF2-40B4-BE49-F238E27FC236}">
+                <a16:creationId xmlns:a16="http://schemas.microsoft.com/office/drawing/2014/main" id="{1418A6C7-20C9-473C-A82A-B9C401557425}"/>
+              </a:ext>
+            </a:extLst>
+          </p:cNvPr>
+          <p:cNvSpPr/>
+          <p:nvPr/>
+        </p:nvSpPr>
+        <p:spPr>
+          <a:xfrm rot="2471237">
+            <a:off x="3000177" y="2977447"/>
+            <a:ext cx="914400" cy="914400"/>
+          </a:xfrm>
+          <a:prstGeom prst="arc">
+            <a:avLst/>
+          </a:prstGeom>
+          <a:ln w="28575">
+            <a:solidFill>
+              <a:schemeClr val="tx1"/>
+            </a:solidFill>
+            <a:headEnd type="arrow" w="med" len="med"/>
+            <a:tailEnd type="none" w="med" len="med"/>
+          </a:ln>
+        </p:spPr>
+        <p:style>
+          <a:lnRef idx="1">
+            <a:schemeClr val="accent1"/>
+          </a:lnRef>
+          <a:fillRef idx="0">
+            <a:schemeClr val="accent1"/>
+          </a:fillRef>
+          <a:effectRef idx="0">
+            <a:schemeClr val="accent1"/>
+          </a:effectRef>
+          <a:fontRef idx="minor">
+            <a:schemeClr val="tx1"/>
+          </a:fontRef>
+        </p:style>
+        <p:txBody>
+          <a:bodyPr rot="0" spcFirstLastPara="0" vertOverflow="overflow" horzOverflow="overflow" vert="horz" wrap="square" lIns="91440" tIns="45720" rIns="91440" bIns="45720" numCol="1" spcCol="0" rtlCol="0" fromWordArt="0" anchor="ctr" anchorCtr="0" forceAA="0" compatLnSpc="1">
+            <a:prstTxWarp prst="textNoShape">
+              <a:avLst/>
+            </a:prstTxWarp>
+            <a:noAutofit/>
           </a:bodyPr>
           <a:lstStyle/>
           <a:p>
-            <a:r>
-              <a:rPr lang="en-GB" dirty="0"/>
-              <a:t>10 years</a:t>
-            </a:r>
-          </a:p>
-        </p:txBody>
-      </p:sp>
+            <a:pPr algn="ctr"/>
+            <a:endParaRPr lang="en-GB"/>
+          </a:p>
+        </p:txBody>
+      </p:sp>
+      <p:sp>
+        <p:nvSpPr>
+          <p:cNvPr id="28" name="Arc 27">
+            <a:extLst>
+              <a:ext uri="{FF2B5EF4-FFF2-40B4-BE49-F238E27FC236}">
+                <a16:creationId xmlns:a16="http://schemas.microsoft.com/office/drawing/2014/main" id="{75D73B67-6A6D-4DB3-A41C-E3999D8D5B19}"/>
+              </a:ext>
+            </a:extLst>
+          </p:cNvPr>
+          <p:cNvSpPr/>
+          <p:nvPr/>
+        </p:nvSpPr>
+        <p:spPr>
+          <a:xfrm rot="2471237">
+            <a:off x="3475346" y="3323120"/>
+            <a:ext cx="914400" cy="914400"/>
+          </a:xfrm>
+          <a:prstGeom prst="arc">
+            <a:avLst/>
+          </a:prstGeom>
+          <a:ln w="28575">
+            <a:solidFill>
+              <a:schemeClr val="tx1"/>
+            </a:solidFill>
+            <a:headEnd type="none" w="med" len="med"/>
+            <a:tailEnd type="arrow" w="med" len="med"/>
+          </a:ln>
+        </p:spPr>
+        <p:style>
+          <a:lnRef idx="1">
+            <a:schemeClr val="accent1"/>
+          </a:lnRef>
+          <a:fillRef idx="0">
+            <a:schemeClr val="accent1"/>
+          </a:fillRef>
+          <a:effectRef idx="0">
+            <a:schemeClr val="accent1"/>
+          </a:effectRef>
+          <a:fontRef idx="minor">
+            <a:schemeClr val="tx1"/>
+          </a:fontRef>
+        </p:style>
+        <p:txBody>
+          <a:bodyPr rtlCol="0" anchor="ctr"/>
+          <a:lstStyle/>
+          <a:p>
+            <a:pPr algn="ctr"/>
+            <a:endParaRPr lang="en-GB"/>
+          </a:p>
+        </p:txBody>
+      </p:sp>
+      <p:sp>
+        <p:nvSpPr>
+          <p:cNvPr id="30" name="Left Brace 29">
+            <a:extLst>
+              <a:ext uri="{FF2B5EF4-FFF2-40B4-BE49-F238E27FC236}">
+                <a16:creationId xmlns:a16="http://schemas.microsoft.com/office/drawing/2014/main" id="{DA6CDF81-099B-4932-8DE9-5F39E6B58661}"/>
+              </a:ext>
+            </a:extLst>
+          </p:cNvPr>
+          <p:cNvSpPr/>
+          <p:nvPr/>
+        </p:nvSpPr>
+        <p:spPr>
+          <a:xfrm>
+            <a:off x="2270917" y="3728434"/>
+            <a:ext cx="214706" cy="540886"/>
+          </a:xfrm>
+          <a:prstGeom prst="leftBrace">
+            <a:avLst>
+              <a:gd name="adj1" fmla="val 11098"/>
+              <a:gd name="adj2" fmla="val 45063"/>
+            </a:avLst>
+          </a:prstGeom>
+        </p:spPr>
+        <p:style>
+          <a:lnRef idx="1">
+            <a:schemeClr val="accent1"/>
+          </a:lnRef>
+          <a:fillRef idx="0">
+            <a:schemeClr val="accent1"/>
+          </a:fillRef>
+          <a:effectRef idx="0">
+            <a:schemeClr val="accent1"/>
+          </a:effectRef>
+          <a:fontRef idx="minor">
+            <a:schemeClr val="tx1"/>
+          </a:fontRef>
+        </p:style>
+        <p:txBody>
+          <a:bodyPr rtlCol="0" anchor="ctr"/>
+          <a:lstStyle/>
+          <a:p>
+            <a:pPr algn="ctr"/>
+            <a:endParaRPr lang="en-GB"/>
+          </a:p>
+        </p:txBody>
+      </p:sp>
+      <p:cxnSp>
+        <p:nvCxnSpPr>
+          <p:cNvPr id="31" name="Straight Connector 30">
+            <a:extLst>
+              <a:ext uri="{FF2B5EF4-FFF2-40B4-BE49-F238E27FC236}">
+                <a16:creationId xmlns:a16="http://schemas.microsoft.com/office/drawing/2014/main" id="{1C27D487-EEDC-4BAF-917E-281AE3F6E787}"/>
+              </a:ext>
+            </a:extLst>
+          </p:cNvPr>
+          <p:cNvCxnSpPr>
+            <a:cxnSpLocks/>
+          </p:cNvCxnSpPr>
+          <p:nvPr/>
+        </p:nvCxnSpPr>
+        <p:spPr>
+          <a:xfrm>
+            <a:off x="2440546" y="4305838"/>
+            <a:ext cx="2189409" cy="0"/>
+          </a:xfrm>
+          <a:prstGeom prst="line">
+            <a:avLst/>
+          </a:prstGeom>
+          <a:ln>
+            <a:solidFill>
+              <a:srgbClr val="D92FA8"/>
+            </a:solidFill>
+          </a:ln>
+        </p:spPr>
+        <p:style>
+          <a:lnRef idx="1">
+            <a:schemeClr val="accent1"/>
+          </a:lnRef>
+          <a:fillRef idx="0">
+            <a:schemeClr val="accent1"/>
+          </a:fillRef>
+          <a:effectRef idx="0">
+            <a:schemeClr val="accent1"/>
+          </a:effectRef>
+          <a:fontRef idx="minor">
+            <a:schemeClr val="tx1"/>
+          </a:fontRef>
+        </p:style>
+      </p:cxnSp>
+      <mc:AlternateContent xmlns:mc="http://schemas.openxmlformats.org/markup-compatibility/2006">
+        <mc:Choice xmlns:a14="http://schemas.microsoft.com/office/drawing/2010/main" Requires="a14">
+          <p:sp>
+            <p:nvSpPr>
+              <p:cNvPr id="32" name="TextBox 31">
+                <a:extLst>
+                  <a:ext uri="{FF2B5EF4-FFF2-40B4-BE49-F238E27FC236}">
+                    <a16:creationId xmlns:a16="http://schemas.microsoft.com/office/drawing/2014/main" id="{BBE2C8B5-BA3C-4EF4-8B4E-8DE0B51900D4}"/>
+                  </a:ext>
+                </a:extLst>
+              </p:cNvPr>
+              <p:cNvSpPr txBox="1"/>
+              <p:nvPr/>
+            </p:nvSpPr>
+            <p:spPr>
+              <a:xfrm>
+                <a:off x="1964978" y="3811656"/>
+                <a:ext cx="430824" cy="338554"/>
+              </a:xfrm>
+              <a:prstGeom prst="rect">
+                <a:avLst/>
+              </a:prstGeom>
+              <a:noFill/>
+            </p:spPr>
+            <p:txBody>
+              <a:bodyPr wrap="none" rtlCol="0">
+                <a:spAutoFit/>
+              </a:bodyPr>
+              <a:lstStyle/>
+              <a:p>
+                <a14:m>
+                  <m:oMathPara xmlns:m="http://schemas.openxmlformats.org/officeDocument/2006/math">
+                    <m:oMathParaPr>
+                      <m:jc m:val="centerGroup"/>
+                    </m:oMathParaPr>
+                    <m:oMath xmlns:m="http://schemas.openxmlformats.org/officeDocument/2006/math">
+                      <m:sSub>
+                        <m:sSubPr>
+                          <m:ctrlPr>
+                            <a:rPr lang="en-GB" sz="1600" b="0" i="1" smtClean="0">
+                              <a:latin typeface="Cambria Math" panose="02040503050406030204" pitchFamily="18" charset="0"/>
+                            </a:rPr>
+                          </m:ctrlPr>
+                        </m:sSubPr>
+                        <m:e>
+                          <m:r>
+                            <a:rPr lang="en-GB" sz="1600" b="0" i="1" smtClean="0">
+                              <a:latin typeface="Cambria Math" panose="02040503050406030204" pitchFamily="18" charset="0"/>
+                            </a:rPr>
+                            <m:t>𝛿</m:t>
+                          </m:r>
+                        </m:e>
+                        <m:sub>
+                          <m:r>
+                            <a:rPr lang="en-GB" sz="1600" b="0" i="1" smtClean="0">
+                              <a:latin typeface="Cambria Math" panose="02040503050406030204" pitchFamily="18" charset="0"/>
+                            </a:rPr>
+                            <m:t>0</m:t>
+                          </m:r>
+                        </m:sub>
+                      </m:sSub>
+                    </m:oMath>
+                  </m:oMathPara>
+                </a14:m>
+                <a:endParaRPr lang="en-GB" sz="1600" dirty="0"/>
+              </a:p>
+            </p:txBody>
+          </p:sp>
+        </mc:Choice>
+        <mc:Fallback>
+          <p:sp>
+            <p:nvSpPr>
+              <p:cNvPr id="32" name="TextBox 31">
+                <a:extLst>
+                  <a:ext uri="{FF2B5EF4-FFF2-40B4-BE49-F238E27FC236}">
+                    <a16:creationId xmlns:a16="http://schemas.microsoft.com/office/drawing/2014/main" id="{BBE2C8B5-BA3C-4EF4-8B4E-8DE0B51900D4}"/>
+                  </a:ext>
+                </a:extLst>
+              </p:cNvPr>
+              <p:cNvSpPr txBox="1">
+                <a:spLocks noRot="1" noChangeAspect="1" noMove="1" noResize="1" noEditPoints="1" noAdjustHandles="1" noChangeArrowheads="1" noChangeShapeType="1" noTextEdit="1"/>
+              </p:cNvSpPr>
+              <p:nvPr/>
+            </p:nvSpPr>
+            <p:spPr>
+              <a:xfrm>
+                <a:off x="1964978" y="3811656"/>
+                <a:ext cx="430824" cy="338554"/>
+              </a:xfrm>
+              <a:prstGeom prst="rect">
+                <a:avLst/>
+              </a:prstGeom>
+              <a:blipFill>
+                <a:blip r:embed="rId3"/>
+                <a:stretch>
+                  <a:fillRect/>
+                </a:stretch>
+              </a:blipFill>
+            </p:spPr>
+            <p:txBody>
+              <a:bodyPr/>
+              <a:lstStyle/>
+              <a:p>
+                <a:r>
+                  <a:rPr lang="en-GB">
+                    <a:noFill/>
+                  </a:rPr>
+                  <a:t> </a:t>
+                </a:r>
+              </a:p>
+            </p:txBody>
+          </p:sp>
+        </mc:Fallback>
+      </mc:AlternateContent>
+      <mc:AlternateContent xmlns:mc="http://schemas.openxmlformats.org/markup-compatibility/2006">
+        <mc:Choice xmlns:a14="http://schemas.microsoft.com/office/drawing/2010/main" Requires="a14">
+          <p:sp>
+            <p:nvSpPr>
+              <p:cNvPr id="33" name="TextBox 32">
+                <a:extLst>
+                  <a:ext uri="{FF2B5EF4-FFF2-40B4-BE49-F238E27FC236}">
+                    <a16:creationId xmlns:a16="http://schemas.microsoft.com/office/drawing/2014/main" id="{0E95B85A-A43D-46A1-8D4A-FE3F23424205}"/>
+                  </a:ext>
+                </a:extLst>
+              </p:cNvPr>
+              <p:cNvSpPr txBox="1"/>
+              <p:nvPr/>
+            </p:nvSpPr>
+            <p:spPr>
+              <a:xfrm>
+                <a:off x="4306958" y="3656625"/>
+                <a:ext cx="430824" cy="338554"/>
+              </a:xfrm>
+              <a:prstGeom prst="rect">
+                <a:avLst/>
+              </a:prstGeom>
+              <a:noFill/>
+            </p:spPr>
+            <p:txBody>
+              <a:bodyPr wrap="none" rtlCol="0">
+                <a:spAutoFit/>
+              </a:bodyPr>
+              <a:lstStyle/>
+              <a:p>
+                <a14:m>
+                  <m:oMathPara xmlns:m="http://schemas.openxmlformats.org/officeDocument/2006/math">
+                    <m:oMathParaPr>
+                      <m:jc m:val="centerGroup"/>
+                    </m:oMathParaPr>
+                    <m:oMath xmlns:m="http://schemas.openxmlformats.org/officeDocument/2006/math">
+                      <m:sSub>
+                        <m:sSubPr>
+                          <m:ctrlPr>
+                            <a:rPr lang="en-GB" sz="1600" b="0" i="1" smtClean="0">
+                              <a:latin typeface="Cambria Math" panose="02040503050406030204" pitchFamily="18" charset="0"/>
+                            </a:rPr>
+                          </m:ctrlPr>
+                        </m:sSubPr>
+                        <m:e>
+                          <m:r>
+                            <a:rPr lang="en-GB" sz="1600" b="0" i="1" smtClean="0">
+                              <a:latin typeface="Cambria Math" panose="02040503050406030204" pitchFamily="18" charset="0"/>
+                            </a:rPr>
+                            <m:t>𝛿</m:t>
+                          </m:r>
+                        </m:e>
+                        <m:sub>
+                          <m:r>
+                            <a:rPr lang="en-GB" sz="1600" b="0" i="1" smtClean="0">
+                              <a:latin typeface="Cambria Math" panose="02040503050406030204" pitchFamily="18" charset="0"/>
+                            </a:rPr>
+                            <m:t>1</m:t>
+                          </m:r>
+                        </m:sub>
+                      </m:sSub>
+                    </m:oMath>
+                  </m:oMathPara>
+                </a14:m>
+                <a:endParaRPr lang="en-GB" sz="1600" dirty="0"/>
+              </a:p>
+            </p:txBody>
+          </p:sp>
+        </mc:Choice>
+        <mc:Fallback>
+          <p:sp>
+            <p:nvSpPr>
+              <p:cNvPr id="33" name="TextBox 32">
+                <a:extLst>
+                  <a:ext uri="{FF2B5EF4-FFF2-40B4-BE49-F238E27FC236}">
+                    <a16:creationId xmlns:a16="http://schemas.microsoft.com/office/drawing/2014/main" id="{0E95B85A-A43D-46A1-8D4A-FE3F23424205}"/>
+                  </a:ext>
+                </a:extLst>
+              </p:cNvPr>
+              <p:cNvSpPr txBox="1">
+                <a:spLocks noRot="1" noChangeAspect="1" noMove="1" noResize="1" noEditPoints="1" noAdjustHandles="1" noChangeArrowheads="1" noChangeShapeType="1" noTextEdit="1"/>
+              </p:cNvSpPr>
+              <p:nvPr/>
+            </p:nvSpPr>
+            <p:spPr>
+              <a:xfrm>
+                <a:off x="4306958" y="3656625"/>
+                <a:ext cx="430824" cy="338554"/>
+              </a:xfrm>
+              <a:prstGeom prst="rect">
+                <a:avLst/>
+              </a:prstGeom>
+              <a:blipFill>
+                <a:blip r:embed="rId4"/>
+                <a:stretch>
+                  <a:fillRect/>
+                </a:stretch>
+              </a:blipFill>
+            </p:spPr>
+            <p:txBody>
+              <a:bodyPr/>
+              <a:lstStyle/>
+              <a:p>
+                <a:r>
+                  <a:rPr lang="en-GB">
+                    <a:noFill/>
+                  </a:rPr>
+                  <a:t> </a:t>
+                </a:r>
+              </a:p>
+            </p:txBody>
+          </p:sp>
+        </mc:Fallback>
+      </mc:AlternateContent>
+      <mc:AlternateContent xmlns:mc="http://schemas.openxmlformats.org/markup-compatibility/2006">
+        <mc:Choice xmlns:a14="http://schemas.microsoft.com/office/drawing/2010/main" Requires="a14">
+          <p:sp>
+            <p:nvSpPr>
+              <p:cNvPr id="35" name="TextBox 34">
+                <a:extLst>
+                  <a:ext uri="{FF2B5EF4-FFF2-40B4-BE49-F238E27FC236}">
+                    <a16:creationId xmlns:a16="http://schemas.microsoft.com/office/drawing/2014/main" id="{2C228425-2EB2-4813-87E5-308A25D33893}"/>
+                  </a:ext>
+                </a:extLst>
+              </p:cNvPr>
+              <p:cNvSpPr txBox="1"/>
+              <p:nvPr/>
+            </p:nvSpPr>
+            <p:spPr>
+              <a:xfrm>
+                <a:off x="3834005" y="3051053"/>
+                <a:ext cx="438260" cy="338554"/>
+              </a:xfrm>
+              <a:prstGeom prst="rect">
+                <a:avLst/>
+              </a:prstGeom>
+              <a:noFill/>
+            </p:spPr>
+            <p:txBody>
+              <a:bodyPr wrap="none" rtlCol="0">
+                <a:spAutoFit/>
+              </a:bodyPr>
+              <a:lstStyle/>
+              <a:p>
+                <a14:m>
+                  <m:oMathPara xmlns:m="http://schemas.openxmlformats.org/officeDocument/2006/math">
+                    <m:oMathParaPr>
+                      <m:jc m:val="centerGroup"/>
+                    </m:oMathParaPr>
+                    <m:oMath xmlns:m="http://schemas.openxmlformats.org/officeDocument/2006/math">
+                      <m:sSub>
+                        <m:sSubPr>
+                          <m:ctrlPr>
+                            <a:rPr lang="en-GB" sz="1600" b="0" i="1" smtClean="0">
+                              <a:latin typeface="Cambria Math" panose="02040503050406030204" pitchFamily="18" charset="0"/>
+                            </a:rPr>
+                          </m:ctrlPr>
+                        </m:sSubPr>
+                        <m:e>
+                          <m:r>
+                            <a:rPr lang="en-GB" sz="1600" b="0" i="1" smtClean="0">
+                              <a:latin typeface="Cambria Math" panose="02040503050406030204" pitchFamily="18" charset="0"/>
+                            </a:rPr>
+                            <m:t>𝛽</m:t>
+                          </m:r>
+                        </m:e>
+                        <m:sub>
+                          <m:r>
+                            <a:rPr lang="en-GB" sz="1600" b="0" i="1" smtClean="0">
+                              <a:latin typeface="Cambria Math" panose="02040503050406030204" pitchFamily="18" charset="0"/>
+                            </a:rPr>
+                            <m:t>1</m:t>
+                          </m:r>
+                        </m:sub>
+                      </m:sSub>
+                    </m:oMath>
+                  </m:oMathPara>
+                </a14:m>
+                <a:endParaRPr lang="en-GB" sz="1600" dirty="0"/>
+              </a:p>
+            </p:txBody>
+          </p:sp>
+        </mc:Choice>
+        <mc:Fallback>
+          <p:sp>
+            <p:nvSpPr>
+              <p:cNvPr id="35" name="TextBox 34">
+                <a:extLst>
+                  <a:ext uri="{FF2B5EF4-FFF2-40B4-BE49-F238E27FC236}">
+                    <a16:creationId xmlns:a16="http://schemas.microsoft.com/office/drawing/2014/main" id="{2C228425-2EB2-4813-87E5-308A25D33893}"/>
+                  </a:ext>
+                </a:extLst>
+              </p:cNvPr>
+              <p:cNvSpPr txBox="1">
+                <a:spLocks noRot="1" noChangeAspect="1" noMove="1" noResize="1" noEditPoints="1" noAdjustHandles="1" noChangeArrowheads="1" noChangeShapeType="1" noTextEdit="1"/>
+              </p:cNvSpPr>
+              <p:nvPr/>
+            </p:nvSpPr>
+            <p:spPr>
+              <a:xfrm>
+                <a:off x="3834005" y="3051053"/>
+                <a:ext cx="438260" cy="338554"/>
+              </a:xfrm>
+              <a:prstGeom prst="rect">
+                <a:avLst/>
+              </a:prstGeom>
+              <a:blipFill>
+                <a:blip r:embed="rId5"/>
+                <a:stretch>
+                  <a:fillRect b="-9091"/>
+                </a:stretch>
+              </a:blipFill>
+            </p:spPr>
+            <p:txBody>
+              <a:bodyPr/>
+              <a:lstStyle/>
+              <a:p>
+                <a:r>
+                  <a:rPr lang="en-GB">
+                    <a:noFill/>
+                  </a:rPr>
+                  <a:t> </a:t>
+                </a:r>
+              </a:p>
+            </p:txBody>
+          </p:sp>
+        </mc:Fallback>
+      </mc:AlternateContent>
     </p:spTree>
     <p:extLst>
       <p:ext uri="{BB962C8B-B14F-4D97-AF65-F5344CB8AC3E}">
@@ -3774,8 +4493,8 @@
         </p:nvSpPr>
         <p:spPr>
           <a:xfrm>
-            <a:off x="5808371" y="1397359"/>
-            <a:ext cx="1841679" cy="369332"/>
+            <a:off x="5804344" y="1477529"/>
+            <a:ext cx="1841679" cy="338554"/>
           </a:xfrm>
           <a:prstGeom prst="rect">
             <a:avLst/>
@@ -3789,7 +4508,7 @@
           <a:lstStyle/>
           <a:p>
             <a:r>
-              <a:rPr lang="en-GB" dirty="0"/>
+              <a:rPr lang="en-GB" sz="1600" dirty="0"/>
               <a:t>Pollution</a:t>
             </a:r>
           </a:p>
@@ -3809,7 +4528,7 @@
         </p:nvSpPr>
         <p:spPr>
           <a:xfrm>
-            <a:off x="4043966" y="3953814"/>
+            <a:off x="6096000" y="3578389"/>
             <a:ext cx="2466305" cy="369332"/>
           </a:xfrm>
           <a:prstGeom prst="rect">
@@ -3826,7 +4545,7 @@
             <a:pPr algn="ctr"/>
             <a:r>
               <a:rPr lang="en-GB" dirty="0"/>
-              <a:t>Inversion</a:t>
+              <a:t>Temperature Inversion</a:t>
             </a:r>
           </a:p>
         </p:txBody>
@@ -3845,8 +4564,8 @@
         </p:nvSpPr>
         <p:spPr>
           <a:xfrm>
-            <a:off x="1835238" y="1380117"/>
-            <a:ext cx="2408349" cy="369332"/>
+            <a:off x="1910061" y="1468555"/>
+            <a:ext cx="2408349" cy="338554"/>
           </a:xfrm>
           <a:prstGeom prst="rect">
             <a:avLst/>
@@ -3860,96 +4579,12 @@
           <a:lstStyle/>
           <a:p>
             <a:r>
-              <a:rPr lang="en-GB" dirty="0"/>
+              <a:rPr lang="en-GB" sz="1600" dirty="0"/>
               <a:t>Accident</a:t>
             </a:r>
           </a:p>
         </p:txBody>
       </p:sp>
-      <p:cxnSp>
-        <p:nvCxnSpPr>
-          <p:cNvPr id="8" name="Straight Arrow Connector 7">
-            <a:extLst>
-              <a:ext uri="{FF2B5EF4-FFF2-40B4-BE49-F238E27FC236}">
-                <a16:creationId xmlns:a16="http://schemas.microsoft.com/office/drawing/2014/main" id="{70E478E5-CE41-49D2-AAB0-B9EA05AE50C1}"/>
-              </a:ext>
-            </a:extLst>
-          </p:cNvPr>
-          <p:cNvCxnSpPr>
-            <a:cxnSpLocks/>
-            <a:stCxn id="4" idx="1"/>
-          </p:cNvCxnSpPr>
-          <p:nvPr/>
-        </p:nvCxnSpPr>
-        <p:spPr>
-          <a:xfrm flipH="1" flipV="1">
-            <a:off x="2897746" y="1575584"/>
-            <a:ext cx="2910625" cy="6441"/>
-          </a:xfrm>
-          <a:prstGeom prst="straightConnector1">
-            <a:avLst/>
-          </a:prstGeom>
-          <a:ln w="76200">
-            <a:tailEnd type="triangle"/>
-          </a:ln>
-        </p:spPr>
-        <p:style>
-          <a:lnRef idx="1">
-            <a:schemeClr val="accent1"/>
-          </a:lnRef>
-          <a:fillRef idx="0">
-            <a:schemeClr val="accent1"/>
-          </a:fillRef>
-          <a:effectRef idx="0">
-            <a:schemeClr val="accent1"/>
-          </a:effectRef>
-          <a:fontRef idx="minor">
-            <a:schemeClr val="tx1"/>
-          </a:fontRef>
-        </p:style>
-      </p:cxnSp>
-      <p:cxnSp>
-        <p:nvCxnSpPr>
-          <p:cNvPr id="9" name="Straight Arrow Connector 8">
-            <a:extLst>
-              <a:ext uri="{FF2B5EF4-FFF2-40B4-BE49-F238E27FC236}">
-                <a16:creationId xmlns:a16="http://schemas.microsoft.com/office/drawing/2014/main" id="{23F2079D-C71D-4AF6-9035-62DABF9DBD05}"/>
-              </a:ext>
-            </a:extLst>
-          </p:cNvPr>
-          <p:cNvCxnSpPr>
-            <a:cxnSpLocks/>
-            <a:stCxn id="5" idx="0"/>
-          </p:cNvCxnSpPr>
-          <p:nvPr/>
-        </p:nvCxnSpPr>
-        <p:spPr>
-          <a:xfrm flipV="1">
-            <a:off x="5277119" y="1818205"/>
-            <a:ext cx="924058" cy="2135609"/>
-          </a:xfrm>
-          <a:prstGeom prst="straightConnector1">
-            <a:avLst/>
-          </a:prstGeom>
-          <a:ln w="38100">
-            <a:tailEnd type="triangle"/>
-          </a:ln>
-        </p:spPr>
-        <p:style>
-          <a:lnRef idx="3">
-            <a:schemeClr val="accent2"/>
-          </a:lnRef>
-          <a:fillRef idx="0">
-            <a:schemeClr val="accent2"/>
-          </a:fillRef>
-          <a:effectRef idx="2">
-            <a:schemeClr val="accent2"/>
-          </a:effectRef>
-          <a:fontRef idx="minor">
-            <a:schemeClr val="tx1"/>
-          </a:fontRef>
-        </p:style>
-      </p:cxnSp>
       <p:sp>
         <p:nvSpPr>
           <p:cNvPr id="14" name="TextBox 13">
@@ -3964,7 +4599,7 @@
         </p:nvSpPr>
         <p:spPr>
           <a:xfrm>
-            <a:off x="2316587" y="2719520"/>
+            <a:off x="3113872" y="2977156"/>
             <a:ext cx="2466305" cy="369332"/>
           </a:xfrm>
           <a:prstGeom prst="rect">
@@ -3986,182 +4621,698 @@
           </a:p>
         </p:txBody>
       </p:sp>
-      <p:cxnSp>
-        <p:nvCxnSpPr>
-          <p:cNvPr id="18" name="Straight Arrow Connector 17">
-            <a:extLst>
-              <a:ext uri="{FF2B5EF4-FFF2-40B4-BE49-F238E27FC236}">
-                <a16:creationId xmlns:a16="http://schemas.microsoft.com/office/drawing/2014/main" id="{742B8D56-E95C-4602-BE59-EF3AB7397DE2}"/>
-              </a:ext>
-            </a:extLst>
-          </p:cNvPr>
-          <p:cNvCxnSpPr/>
+      <p:sp>
+        <p:nvSpPr>
+          <p:cNvPr id="3" name="Arrow: Left 2">
+            <a:extLst>
+              <a:ext uri="{FF2B5EF4-FFF2-40B4-BE49-F238E27FC236}">
+                <a16:creationId xmlns:a16="http://schemas.microsoft.com/office/drawing/2014/main" id="{948E7E16-AA0C-4343-8D02-20E1ADB654D1}"/>
+              </a:ext>
+            </a:extLst>
+          </p:cNvPr>
+          <p:cNvSpPr/>
           <p:nvPr/>
-        </p:nvCxnSpPr>
+        </p:nvSpPr>
         <p:spPr>
-          <a:xfrm flipV="1">
-            <a:off x="3986011" y="1818205"/>
-            <a:ext cx="1753137" cy="970071"/>
+          <a:xfrm>
+            <a:off x="2832476" y="1500222"/>
+            <a:ext cx="2994337" cy="199746"/>
           </a:xfrm>
-          <a:prstGeom prst="straightConnector1">
+          <a:prstGeom prst="leftArrow">
             <a:avLst/>
           </a:prstGeom>
-          <a:ln w="38100">
-            <a:solidFill>
-              <a:srgbClr val="00B050"/>
-            </a:solidFill>
-            <a:tailEnd type="triangle"/>
+          <a:solidFill>
+            <a:schemeClr val="accent1">
+              <a:lumMod val="40000"/>
+              <a:lumOff val="60000"/>
+            </a:schemeClr>
+          </a:solidFill>
+          <a:ln>
+            <a:noFill/>
           </a:ln>
         </p:spPr>
         <p:style>
-          <a:lnRef idx="1">
-            <a:schemeClr val="accent1"/>
+          <a:lnRef idx="2">
+            <a:schemeClr val="accent1">
+              <a:shade val="50000"/>
+            </a:schemeClr>
           </a:lnRef>
-          <a:fillRef idx="0">
+          <a:fillRef idx="1">
             <a:schemeClr val="accent1"/>
           </a:fillRef>
           <a:effectRef idx="0">
             <a:schemeClr val="accent1"/>
           </a:effectRef>
           <a:fontRef idx="minor">
-            <a:schemeClr val="tx1"/>
+            <a:schemeClr val="lt1"/>
           </a:fontRef>
         </p:style>
-      </p:cxnSp>
-      <p:cxnSp>
-        <p:nvCxnSpPr>
-          <p:cNvPr id="19" name="Straight Arrow Connector 18">
-            <a:extLst>
-              <a:ext uri="{FF2B5EF4-FFF2-40B4-BE49-F238E27FC236}">
-                <a16:creationId xmlns:a16="http://schemas.microsoft.com/office/drawing/2014/main" id="{B3E49B46-2336-4F45-9D4A-3CA22D19F43C}"/>
-              </a:ext>
-            </a:extLst>
-          </p:cNvPr>
-          <p:cNvCxnSpPr>
-            <a:cxnSpLocks/>
-            <a:stCxn id="14" idx="0"/>
-          </p:cNvCxnSpPr>
+        <p:txBody>
+          <a:bodyPr rtlCol="0" anchor="ctr"/>
+          <a:lstStyle/>
+          <a:p>
+            <a:pPr algn="ctr"/>
+            <a:r>
+              <a:rPr lang="en-GB" sz="1600" dirty="0">
+                <a:solidFill>
+                  <a:schemeClr val="tx1"/>
+                </a:solidFill>
+              </a:rPr>
+              <a:t>a</a:t>
+            </a:r>
+          </a:p>
+        </p:txBody>
+      </p:sp>
+      <p:sp>
+        <p:nvSpPr>
+          <p:cNvPr id="15" name="Arrow: Left 14">
+            <a:extLst>
+              <a:ext uri="{FF2B5EF4-FFF2-40B4-BE49-F238E27FC236}">
+                <a16:creationId xmlns:a16="http://schemas.microsoft.com/office/drawing/2014/main" id="{1F59C8CA-59F6-49A7-9261-84FE1795CC16}"/>
+              </a:ext>
+            </a:extLst>
+          </p:cNvPr>
+          <p:cNvSpPr/>
           <p:nvPr/>
-        </p:nvCxnSpPr>
+        </p:nvSpPr>
         <p:spPr>
-          <a:xfrm flipH="1" flipV="1">
-            <a:off x="2440546" y="1766691"/>
-            <a:ext cx="1109194" cy="952829"/>
+          <a:xfrm rot="18858005">
+            <a:off x="4358196" y="2263509"/>
+            <a:ext cx="1687236" cy="166557"/>
           </a:xfrm>
-          <a:prstGeom prst="straightConnector1">
+          <a:prstGeom prst="leftArrow">
             <a:avLst/>
           </a:prstGeom>
-          <a:ln w="38100">
-            <a:solidFill>
-              <a:srgbClr val="00B050"/>
-            </a:solidFill>
-            <a:tailEnd type="triangle"/>
+          <a:solidFill>
+            <a:schemeClr val="accent1">
+              <a:lumMod val="40000"/>
+              <a:lumOff val="60000"/>
+            </a:schemeClr>
+          </a:solidFill>
+          <a:ln>
+            <a:noFill/>
           </a:ln>
         </p:spPr>
         <p:style>
-          <a:lnRef idx="1">
-            <a:schemeClr val="accent1"/>
+          <a:lnRef idx="2">
+            <a:schemeClr val="accent1">
+              <a:shade val="50000"/>
+            </a:schemeClr>
           </a:lnRef>
-          <a:fillRef idx="0">
+          <a:fillRef idx="1">
             <a:schemeClr val="accent1"/>
           </a:fillRef>
           <a:effectRef idx="0">
             <a:schemeClr val="accent1"/>
           </a:effectRef>
           <a:fontRef idx="minor">
-            <a:schemeClr val="tx1"/>
+            <a:schemeClr val="lt1"/>
           </a:fontRef>
         </p:style>
-      </p:cxnSp>
-      <p:cxnSp>
-        <p:nvCxnSpPr>
-          <p:cNvPr id="23" name="Straight Arrow Connector 22">
-            <a:extLst>
-              <a:ext uri="{FF2B5EF4-FFF2-40B4-BE49-F238E27FC236}">
-                <a16:creationId xmlns:a16="http://schemas.microsoft.com/office/drawing/2014/main" id="{2BB2C773-6388-442A-91FC-62A1670D8671}"/>
-              </a:ext>
-            </a:extLst>
-          </p:cNvPr>
-          <p:cNvCxnSpPr>
-            <a:cxnSpLocks/>
-            <a:stCxn id="4" idx="1"/>
-          </p:cNvCxnSpPr>
+        <p:txBody>
+          <a:bodyPr rot="0" spcFirstLastPara="0" vertOverflow="overflow" horzOverflow="overflow" vert="horz" wrap="square" lIns="91440" tIns="45720" rIns="91440" bIns="45720" numCol="1" spcCol="0" rtlCol="0" fromWordArt="0" anchor="ctr" anchorCtr="0" forceAA="0" compatLnSpc="1">
+            <a:prstTxWarp prst="textNoShape">
+              <a:avLst/>
+            </a:prstTxWarp>
+            <a:noAutofit/>
+          </a:bodyPr>
+          <a:lstStyle/>
+          <a:p>
+            <a:pPr algn="ctr"/>
+            <a:r>
+              <a:rPr lang="en-GB" sz="1400" dirty="0">
+                <a:solidFill>
+                  <a:schemeClr val="tx1"/>
+                </a:solidFill>
+              </a:rPr>
+              <a:t>b</a:t>
+            </a:r>
+          </a:p>
+        </p:txBody>
+      </p:sp>
+      <p:sp>
+        <p:nvSpPr>
+          <p:cNvPr id="16" name="Arrow: Left 15">
+            <a:extLst>
+              <a:ext uri="{FF2B5EF4-FFF2-40B4-BE49-F238E27FC236}">
+                <a16:creationId xmlns:a16="http://schemas.microsoft.com/office/drawing/2014/main" id="{D3CAD448-1E5C-4759-A566-68AF7A39921E}"/>
+              </a:ext>
+            </a:extLst>
+          </p:cNvPr>
+          <p:cNvSpPr/>
           <p:nvPr/>
-        </p:nvCxnSpPr>
+        </p:nvSpPr>
         <p:spPr>
-          <a:xfrm flipH="1">
-            <a:off x="3676917" y="1582025"/>
-            <a:ext cx="2131454" cy="1137495"/>
+          <a:xfrm rot="2351915">
+            <a:off x="2424387" y="2261461"/>
+            <a:ext cx="1721379" cy="195646"/>
           </a:xfrm>
-          <a:prstGeom prst="straightConnector1">
+          <a:prstGeom prst="leftArrow">
             <a:avLst/>
           </a:prstGeom>
-          <a:ln w="28575">
-            <a:prstDash val="sysDash"/>
-            <a:tailEnd type="triangle"/>
+          <a:solidFill>
+            <a:schemeClr val="accent1">
+              <a:lumMod val="40000"/>
+              <a:lumOff val="60000"/>
+            </a:schemeClr>
+          </a:solidFill>
+          <a:ln>
+            <a:noFill/>
           </a:ln>
         </p:spPr>
         <p:style>
-          <a:lnRef idx="1">
-            <a:schemeClr val="accent1"/>
+          <a:lnRef idx="2">
+            <a:schemeClr val="accent1">
+              <a:shade val="50000"/>
+            </a:schemeClr>
           </a:lnRef>
-          <a:fillRef idx="0">
+          <a:fillRef idx="1">
             <a:schemeClr val="accent1"/>
           </a:fillRef>
           <a:effectRef idx="0">
             <a:schemeClr val="accent1"/>
           </a:effectRef>
           <a:fontRef idx="minor">
-            <a:schemeClr val="tx1"/>
+            <a:schemeClr val="lt1"/>
           </a:fontRef>
         </p:style>
-      </p:cxnSp>
-      <p:cxnSp>
-        <p:nvCxnSpPr>
-          <p:cNvPr id="24" name="Straight Arrow Connector 23">
-            <a:extLst>
-              <a:ext uri="{FF2B5EF4-FFF2-40B4-BE49-F238E27FC236}">
-                <a16:creationId xmlns:a16="http://schemas.microsoft.com/office/drawing/2014/main" id="{F7B2D727-ADE3-4129-A712-798FD3CF0BAF}"/>
-              </a:ext>
-            </a:extLst>
-          </p:cNvPr>
-          <p:cNvCxnSpPr>
-            <a:cxnSpLocks/>
-            <a:stCxn id="5" idx="0"/>
-          </p:cNvCxnSpPr>
+        <p:txBody>
+          <a:bodyPr rot="0" spcFirstLastPara="0" vertOverflow="overflow" horzOverflow="overflow" vert="horz" wrap="square" lIns="91440" tIns="45720" rIns="91440" bIns="45720" numCol="1" spcCol="0" rtlCol="0" fromWordArt="0" anchor="ctr" anchorCtr="0" forceAA="0" compatLnSpc="1">
+            <a:prstTxWarp prst="textNoShape">
+              <a:avLst/>
+            </a:prstTxWarp>
+            <a:noAutofit/>
+          </a:bodyPr>
+          <a:lstStyle/>
+          <a:p>
+            <a:pPr algn="ctr"/>
+            <a:r>
+              <a:rPr lang="en-GB" sz="1600" dirty="0">
+                <a:solidFill>
+                  <a:schemeClr val="tx1"/>
+                </a:solidFill>
+              </a:rPr>
+              <a:t>c</a:t>
+            </a:r>
+          </a:p>
+        </p:txBody>
+      </p:sp>
+      <p:sp>
+        <p:nvSpPr>
+          <p:cNvPr id="20" name="Arrow: Left 19">
+            <a:extLst>
+              <a:ext uri="{FF2B5EF4-FFF2-40B4-BE49-F238E27FC236}">
+                <a16:creationId xmlns:a16="http://schemas.microsoft.com/office/drawing/2014/main" id="{D075D888-F352-4EA9-82E4-54978A69B624}"/>
+              </a:ext>
+            </a:extLst>
+          </p:cNvPr>
+          <p:cNvSpPr/>
           <p:nvPr/>
-        </p:nvCxnSpPr>
+        </p:nvSpPr>
         <p:spPr>
-          <a:xfrm flipH="1" flipV="1">
-            <a:off x="3986011" y="3030897"/>
-            <a:ext cx="1291108" cy="922917"/>
+          <a:xfrm rot="2351915">
+            <a:off x="1995737" y="2410215"/>
+            <a:ext cx="2121876" cy="190735"/>
           </a:xfrm>
-          <a:prstGeom prst="straightConnector1">
+          <a:prstGeom prst="leftArrow">
             <a:avLst/>
           </a:prstGeom>
-          <a:ln w="38100">
-            <a:solidFill>
-              <a:srgbClr val="00B050"/>
-            </a:solidFill>
-            <a:prstDash val="sysDash"/>
-            <a:tailEnd type="triangle"/>
+          <a:solidFill>
+            <a:schemeClr val="accent4">
+              <a:lumMod val="20000"/>
+              <a:lumOff val="80000"/>
+            </a:schemeClr>
+          </a:solidFill>
+          <a:ln>
+            <a:noFill/>
           </a:ln>
         </p:spPr>
         <p:style>
-          <a:lnRef idx="1">
-            <a:schemeClr val="accent1"/>
+          <a:lnRef idx="2">
+            <a:schemeClr val="accent1">
+              <a:shade val="50000"/>
+            </a:schemeClr>
           </a:lnRef>
-          <a:fillRef idx="0">
+          <a:fillRef idx="1">
             <a:schemeClr val="accent1"/>
           </a:fillRef>
           <a:effectRef idx="0">
             <a:schemeClr val="accent1"/>
           </a:effectRef>
           <a:fontRef idx="minor">
-            <a:schemeClr val="tx1"/>
+            <a:schemeClr val="lt1"/>
           </a:fontRef>
         </p:style>
-      </p:cxnSp>
+        <p:txBody>
+          <a:bodyPr rot="0" spcFirstLastPara="0" vertOverflow="overflow" horzOverflow="overflow" vert="horz" wrap="square" lIns="91440" tIns="45720" rIns="91440" bIns="45720" numCol="1" spcCol="0" rtlCol="0" fromWordArt="0" anchor="ctr" anchorCtr="0" forceAA="0" compatLnSpc="1">
+            <a:prstTxWarp prst="textNoShape">
+              <a:avLst/>
+            </a:prstTxWarp>
+            <a:noAutofit/>
+          </a:bodyPr>
+          <a:lstStyle/>
+          <a:p>
+            <a:pPr algn="ctr"/>
+            <a:r>
+              <a:rPr lang="en-GB" sz="1600" dirty="0">
+                <a:solidFill>
+                  <a:schemeClr val="tx1"/>
+                </a:solidFill>
+              </a:rPr>
+              <a:t>e</a:t>
+            </a:r>
+          </a:p>
+        </p:txBody>
+      </p:sp>
+      <p:sp>
+        <p:nvSpPr>
+          <p:cNvPr id="7" name="Arrow: Right 6">
+            <a:extLst>
+              <a:ext uri="{FF2B5EF4-FFF2-40B4-BE49-F238E27FC236}">
+                <a16:creationId xmlns:a16="http://schemas.microsoft.com/office/drawing/2014/main" id="{57BDA834-4D54-4A15-8EBB-89505498CD48}"/>
+              </a:ext>
+            </a:extLst>
+          </p:cNvPr>
+          <p:cNvSpPr/>
+          <p:nvPr/>
+        </p:nvSpPr>
+        <p:spPr>
+          <a:xfrm rot="18804332">
+            <a:off x="4546185" y="2354126"/>
+            <a:ext cx="1667676" cy="143503"/>
+          </a:xfrm>
+          <a:prstGeom prst="rightArrow">
+            <a:avLst/>
+          </a:prstGeom>
+          <a:solidFill>
+            <a:schemeClr val="accent4">
+              <a:lumMod val="20000"/>
+              <a:lumOff val="80000"/>
+            </a:schemeClr>
+          </a:solidFill>
+          <a:ln>
+            <a:noFill/>
+          </a:ln>
+        </p:spPr>
+        <p:style>
+          <a:lnRef idx="2">
+            <a:schemeClr val="accent1">
+              <a:shade val="50000"/>
+            </a:schemeClr>
+          </a:lnRef>
+          <a:fillRef idx="1">
+            <a:schemeClr val="accent1"/>
+          </a:fillRef>
+          <a:effectRef idx="0">
+            <a:schemeClr val="accent1"/>
+          </a:effectRef>
+          <a:fontRef idx="minor">
+            <a:schemeClr val="lt1"/>
+          </a:fontRef>
+        </p:style>
+        <p:txBody>
+          <a:bodyPr rot="0" spcFirstLastPara="0" vertOverflow="overflow" horzOverflow="overflow" vert="horz" wrap="square" lIns="91440" tIns="45720" rIns="91440" bIns="45720" numCol="1" spcCol="0" rtlCol="0" fromWordArt="0" anchor="ctr" anchorCtr="0" forceAA="0" compatLnSpc="1">
+            <a:prstTxWarp prst="textNoShape">
+              <a:avLst/>
+            </a:prstTxWarp>
+            <a:noAutofit/>
+          </a:bodyPr>
+          <a:lstStyle/>
+          <a:p>
+            <a:pPr algn="ctr"/>
+            <a:r>
+              <a:rPr lang="en-GB" sz="1400" dirty="0">
+                <a:solidFill>
+                  <a:schemeClr val="tx1"/>
+                </a:solidFill>
+              </a:rPr>
+              <a:t>f</a:t>
+            </a:r>
+          </a:p>
+        </p:txBody>
+      </p:sp>
+      <p:sp>
+        <p:nvSpPr>
+          <p:cNvPr id="21" name="TextBox 20">
+            <a:extLst>
+              <a:ext uri="{FF2B5EF4-FFF2-40B4-BE49-F238E27FC236}">
+                <a16:creationId xmlns:a16="http://schemas.microsoft.com/office/drawing/2014/main" id="{A9D19AA8-6B6A-436E-B08E-C58E097CB8AD}"/>
+              </a:ext>
+            </a:extLst>
+          </p:cNvPr>
+          <p:cNvSpPr txBox="1"/>
+          <p:nvPr/>
+        </p:nvSpPr>
+        <p:spPr>
+          <a:xfrm>
+            <a:off x="2949903" y="335520"/>
+            <a:ext cx="2466305" cy="369332"/>
+          </a:xfrm>
+          <a:prstGeom prst="rect">
+            <a:avLst/>
+          </a:prstGeom>
+          <a:noFill/>
+        </p:spPr>
+        <p:txBody>
+          <a:bodyPr wrap="square" rtlCol="0">
+            <a:spAutoFit/>
+          </a:bodyPr>
+          <a:lstStyle/>
+          <a:p>
+            <a:pPr algn="ctr"/>
+            <a:r>
+              <a:rPr lang="en-GB" dirty="0"/>
+              <a:t>Traffic</a:t>
+            </a:r>
+          </a:p>
+        </p:txBody>
+      </p:sp>
+      <p:sp>
+        <p:nvSpPr>
+          <p:cNvPr id="22" name="Arrow: Left 21">
+            <a:extLst>
+              <a:ext uri="{FF2B5EF4-FFF2-40B4-BE49-F238E27FC236}">
+                <a16:creationId xmlns:a16="http://schemas.microsoft.com/office/drawing/2014/main" id="{7710B483-274F-4C8E-9E07-534B19F4931B}"/>
+              </a:ext>
+            </a:extLst>
+          </p:cNvPr>
+          <p:cNvSpPr/>
+          <p:nvPr/>
+        </p:nvSpPr>
+        <p:spPr>
+          <a:xfrm rot="19514603">
+            <a:off x="2364317" y="982816"/>
+            <a:ext cx="1687236" cy="166557"/>
+          </a:xfrm>
+          <a:prstGeom prst="leftArrow">
+            <a:avLst/>
+          </a:prstGeom>
+          <a:solidFill>
+            <a:srgbClr val="DFBDD2">
+              <a:alpha val="30980"/>
+            </a:srgbClr>
+          </a:solidFill>
+          <a:ln>
+            <a:noFill/>
+          </a:ln>
+        </p:spPr>
+        <p:style>
+          <a:lnRef idx="2">
+            <a:schemeClr val="accent1">
+              <a:shade val="50000"/>
+            </a:schemeClr>
+          </a:lnRef>
+          <a:fillRef idx="1">
+            <a:schemeClr val="accent1"/>
+          </a:fillRef>
+          <a:effectRef idx="0">
+            <a:schemeClr val="accent1"/>
+          </a:effectRef>
+          <a:fontRef idx="minor">
+            <a:schemeClr val="lt1"/>
+          </a:fontRef>
+        </p:style>
+        <p:txBody>
+          <a:bodyPr rot="0" spcFirstLastPara="0" vertOverflow="overflow" horzOverflow="overflow" vert="horz" wrap="square" lIns="91440" tIns="45720" rIns="91440" bIns="45720" numCol="1" spcCol="0" rtlCol="0" fromWordArt="0" anchor="ctr" anchorCtr="0" forceAA="0" compatLnSpc="1">
+            <a:prstTxWarp prst="textNoShape">
+              <a:avLst/>
+            </a:prstTxWarp>
+            <a:noAutofit/>
+          </a:bodyPr>
+          <a:lstStyle/>
+          <a:p>
+            <a:pPr algn="ctr"/>
+            <a:r>
+              <a:rPr lang="en-GB" sz="1400" dirty="0">
+                <a:solidFill>
+                  <a:schemeClr val="tx1"/>
+                </a:solidFill>
+              </a:rPr>
+              <a:t>h</a:t>
+            </a:r>
+          </a:p>
+        </p:txBody>
+      </p:sp>
+      <p:sp>
+        <p:nvSpPr>
+          <p:cNvPr id="25" name="Arrow: Right 24">
+            <a:extLst>
+              <a:ext uri="{FF2B5EF4-FFF2-40B4-BE49-F238E27FC236}">
+                <a16:creationId xmlns:a16="http://schemas.microsoft.com/office/drawing/2014/main" id="{118E6DBB-2C03-434B-B252-C3D9F4FC3D87}"/>
+              </a:ext>
+            </a:extLst>
+          </p:cNvPr>
+          <p:cNvSpPr/>
+          <p:nvPr/>
+        </p:nvSpPr>
+        <p:spPr>
+          <a:xfrm rot="1778934">
+            <a:off x="4445793" y="891590"/>
+            <a:ext cx="1667676" cy="143503"/>
+          </a:xfrm>
+          <a:prstGeom prst="rightArrow">
+            <a:avLst/>
+          </a:prstGeom>
+          <a:solidFill>
+            <a:srgbClr val="DFBDD2">
+              <a:alpha val="30980"/>
+            </a:srgbClr>
+          </a:solidFill>
+          <a:ln>
+            <a:noFill/>
+          </a:ln>
+        </p:spPr>
+        <p:style>
+          <a:lnRef idx="2">
+            <a:schemeClr val="accent1">
+              <a:shade val="50000"/>
+            </a:schemeClr>
+          </a:lnRef>
+          <a:fillRef idx="1">
+            <a:schemeClr val="accent1"/>
+          </a:fillRef>
+          <a:effectRef idx="0">
+            <a:schemeClr val="accent1"/>
+          </a:effectRef>
+          <a:fontRef idx="minor">
+            <a:schemeClr val="lt1"/>
+          </a:fontRef>
+        </p:style>
+        <p:txBody>
+          <a:bodyPr rot="0" spcFirstLastPara="0" vertOverflow="overflow" horzOverflow="overflow" vert="horz" wrap="square" lIns="91440" tIns="45720" rIns="91440" bIns="45720" numCol="1" spcCol="0" rtlCol="0" fromWordArt="0" anchor="ctr" anchorCtr="0" forceAA="0" compatLnSpc="1">
+            <a:prstTxWarp prst="textNoShape">
+              <a:avLst/>
+            </a:prstTxWarp>
+            <a:noAutofit/>
+          </a:bodyPr>
+          <a:lstStyle/>
+          <a:p>
+            <a:pPr algn="ctr"/>
+            <a:r>
+              <a:rPr lang="en-GB" sz="1400" dirty="0">
+                <a:solidFill>
+                  <a:schemeClr val="tx1"/>
+                </a:solidFill>
+              </a:rPr>
+              <a:t>g</a:t>
+            </a:r>
+          </a:p>
+        </p:txBody>
+      </p:sp>
+      <p:sp>
+        <p:nvSpPr>
+          <p:cNvPr id="26" name="Arrow: Right 25">
+            <a:extLst>
+              <a:ext uri="{FF2B5EF4-FFF2-40B4-BE49-F238E27FC236}">
+                <a16:creationId xmlns:a16="http://schemas.microsoft.com/office/drawing/2014/main" id="{1A1541B4-6F5A-4EDA-BCBD-10D1B00C505E}"/>
+              </a:ext>
+            </a:extLst>
+          </p:cNvPr>
+          <p:cNvSpPr/>
+          <p:nvPr/>
+        </p:nvSpPr>
+        <p:spPr>
+          <a:xfrm rot="19535959">
+            <a:off x="2222836" y="875474"/>
+            <a:ext cx="1667676" cy="143503"/>
+          </a:xfrm>
+          <a:prstGeom prst="rightArrow">
+            <a:avLst/>
+          </a:prstGeom>
+          <a:solidFill>
+            <a:srgbClr val="DFBDD2">
+              <a:alpha val="30980"/>
+            </a:srgbClr>
+          </a:solidFill>
+          <a:ln>
+            <a:noFill/>
+          </a:ln>
+        </p:spPr>
+        <p:style>
+          <a:lnRef idx="2">
+            <a:schemeClr val="accent1">
+              <a:shade val="50000"/>
+            </a:schemeClr>
+          </a:lnRef>
+          <a:fillRef idx="1">
+            <a:schemeClr val="accent1"/>
+          </a:fillRef>
+          <a:effectRef idx="0">
+            <a:schemeClr val="accent1"/>
+          </a:effectRef>
+          <a:fontRef idx="minor">
+            <a:schemeClr val="lt1"/>
+          </a:fontRef>
+        </p:style>
+        <p:txBody>
+          <a:bodyPr rot="0" spcFirstLastPara="0" vertOverflow="overflow" horzOverflow="overflow" vert="horz" wrap="square" lIns="91440" tIns="45720" rIns="91440" bIns="45720" numCol="1" spcCol="0" rtlCol="0" fromWordArt="0" anchor="ctr" anchorCtr="0" forceAA="0" compatLnSpc="1">
+            <a:prstTxWarp prst="textNoShape">
+              <a:avLst/>
+            </a:prstTxWarp>
+            <a:noAutofit/>
+          </a:bodyPr>
+          <a:lstStyle/>
+          <a:p>
+            <a:pPr algn="ctr"/>
+            <a:r>
+              <a:rPr lang="en-GB" sz="1400" dirty="0">
+                <a:solidFill>
+                  <a:schemeClr val="tx1"/>
+                </a:solidFill>
+              </a:rPr>
+              <a:t>I</a:t>
+            </a:r>
+          </a:p>
+        </p:txBody>
+      </p:sp>
+      <p:sp>
+        <p:nvSpPr>
+          <p:cNvPr id="27" name="Arrow: Right 26">
+            <a:extLst>
+              <a:ext uri="{FF2B5EF4-FFF2-40B4-BE49-F238E27FC236}">
+                <a16:creationId xmlns:a16="http://schemas.microsoft.com/office/drawing/2014/main" id="{4FBD5824-6765-4FDC-B54D-181F1654FDD5}"/>
+              </a:ext>
+            </a:extLst>
+          </p:cNvPr>
+          <p:cNvSpPr/>
+          <p:nvPr/>
+        </p:nvSpPr>
+        <p:spPr>
+          <a:xfrm rot="16200000">
+            <a:off x="5686337" y="2597940"/>
+            <a:ext cx="1816850" cy="143273"/>
+          </a:xfrm>
+          <a:prstGeom prst="rightArrow">
+            <a:avLst/>
+          </a:prstGeom>
+          <a:solidFill>
+            <a:schemeClr val="accent6"/>
+          </a:solidFill>
+          <a:ln>
+            <a:noFill/>
+          </a:ln>
+        </p:spPr>
+        <p:style>
+          <a:lnRef idx="2">
+            <a:schemeClr val="accent1">
+              <a:shade val="50000"/>
+            </a:schemeClr>
+          </a:lnRef>
+          <a:fillRef idx="1">
+            <a:schemeClr val="accent1"/>
+          </a:fillRef>
+          <a:effectRef idx="0">
+            <a:schemeClr val="accent1"/>
+          </a:effectRef>
+          <a:fontRef idx="minor">
+            <a:schemeClr val="lt1"/>
+          </a:fontRef>
+        </p:style>
+        <p:txBody>
+          <a:bodyPr rot="0" spcFirstLastPara="0" vertOverflow="overflow" horzOverflow="overflow" vert="horz" wrap="square" lIns="91440" tIns="45720" rIns="91440" bIns="45720" numCol="1" spcCol="0" rtlCol="0" fromWordArt="0" anchor="ctr" anchorCtr="0" forceAA="0" compatLnSpc="1">
+            <a:prstTxWarp prst="textNoShape">
+              <a:avLst/>
+            </a:prstTxWarp>
+            <a:noAutofit/>
+          </a:bodyPr>
+          <a:lstStyle/>
+          <a:p>
+            <a:pPr algn="ctr"/>
+            <a:r>
+              <a:rPr lang="en-GB" sz="1400" dirty="0">
+                <a:solidFill>
+                  <a:schemeClr val="tx1"/>
+                </a:solidFill>
+              </a:rPr>
+              <a:t>j</a:t>
+            </a:r>
+          </a:p>
+        </p:txBody>
+      </p:sp>
+      <p:sp>
+        <p:nvSpPr>
+          <p:cNvPr id="28" name="Arrow: Left 27">
+            <a:extLst>
+              <a:ext uri="{FF2B5EF4-FFF2-40B4-BE49-F238E27FC236}">
+                <a16:creationId xmlns:a16="http://schemas.microsoft.com/office/drawing/2014/main" id="{24A0CB2E-EAE2-48DB-A65D-293D919BFA7A}"/>
+              </a:ext>
+            </a:extLst>
+          </p:cNvPr>
+          <p:cNvSpPr/>
+          <p:nvPr/>
+        </p:nvSpPr>
+        <p:spPr>
+          <a:xfrm rot="925793">
+            <a:off x="4519334" y="3480566"/>
+            <a:ext cx="1721379" cy="195646"/>
+          </a:xfrm>
+          <a:prstGeom prst="leftArrow">
+            <a:avLst/>
+          </a:prstGeom>
+          <a:solidFill>
+            <a:schemeClr val="accent6"/>
+          </a:solidFill>
+          <a:ln>
+            <a:noFill/>
+          </a:ln>
+        </p:spPr>
+        <p:style>
+          <a:lnRef idx="2">
+            <a:schemeClr val="accent1">
+              <a:shade val="50000"/>
+            </a:schemeClr>
+          </a:lnRef>
+          <a:fillRef idx="1">
+            <a:schemeClr val="accent1"/>
+          </a:fillRef>
+          <a:effectRef idx="0">
+            <a:schemeClr val="accent1"/>
+          </a:effectRef>
+          <a:fontRef idx="minor">
+            <a:schemeClr val="lt1"/>
+          </a:fontRef>
+        </p:style>
+        <p:txBody>
+          <a:bodyPr rot="0" spcFirstLastPara="0" vertOverflow="overflow" horzOverflow="overflow" vert="horz" wrap="square" lIns="91440" tIns="45720" rIns="91440" bIns="45720" numCol="1" spcCol="0" rtlCol="0" fromWordArt="0" anchor="ctr" anchorCtr="0" forceAA="0" compatLnSpc="1">
+            <a:prstTxWarp prst="textNoShape">
+              <a:avLst/>
+            </a:prstTxWarp>
+            <a:noAutofit/>
+          </a:bodyPr>
+          <a:lstStyle/>
+          <a:p>
+            <a:pPr algn="ctr"/>
+            <a:r>
+              <a:rPr lang="en-GB" sz="1400" dirty="0">
+                <a:solidFill>
+                  <a:schemeClr val="tx1"/>
+                </a:solidFill>
+              </a:rPr>
+              <a:t>k</a:t>
+            </a:r>
+          </a:p>
+        </p:txBody>
+      </p:sp>
     </p:spTree>
     <p:extLst>
       <p:ext uri="{BB962C8B-B14F-4D97-AF65-F5344CB8AC3E}">

--- a/slides/pollutionchains.pptx
+++ b/slides/pollutionchains.pptx
@@ -7,6 +7,7 @@
   <p:sldIdLst>
     <p:sldId id="256" r:id="rId2"/>
     <p:sldId id="257" r:id="rId3"/>
+    <p:sldId id="258" r:id="rId4"/>
   </p:sldIdLst>
   <p:sldSz cx="12192000" cy="6858000"/>
   <p:notesSz cx="6858000" cy="9144000"/>
@@ -262,7 +263,7 @@
           <a:p>
             <a:fld id="{0CEB5992-B99D-43F2-ADE2-1A645F897579}" type="datetimeFigureOut">
               <a:rPr lang="en-GB" smtClean="0"/>
-              <a:t>21/11/2020</a:t>
+              <a:t>24/11/2020</a:t>
             </a:fld>
             <a:endParaRPr lang="en-GB"/>
           </a:p>
@@ -462,7 +463,7 @@
           <a:p>
             <a:fld id="{0CEB5992-B99D-43F2-ADE2-1A645F897579}" type="datetimeFigureOut">
               <a:rPr lang="en-GB" smtClean="0"/>
-              <a:t>21/11/2020</a:t>
+              <a:t>24/11/2020</a:t>
             </a:fld>
             <a:endParaRPr lang="en-GB"/>
           </a:p>
@@ -672,7 +673,7 @@
           <a:p>
             <a:fld id="{0CEB5992-B99D-43F2-ADE2-1A645F897579}" type="datetimeFigureOut">
               <a:rPr lang="en-GB" smtClean="0"/>
-              <a:t>21/11/2020</a:t>
+              <a:t>24/11/2020</a:t>
             </a:fld>
             <a:endParaRPr lang="en-GB"/>
           </a:p>
@@ -872,7 +873,7 @@
           <a:p>
             <a:fld id="{0CEB5992-B99D-43F2-ADE2-1A645F897579}" type="datetimeFigureOut">
               <a:rPr lang="en-GB" smtClean="0"/>
-              <a:t>21/11/2020</a:t>
+              <a:t>24/11/2020</a:t>
             </a:fld>
             <a:endParaRPr lang="en-GB"/>
           </a:p>
@@ -1148,7 +1149,7 @@
           <a:p>
             <a:fld id="{0CEB5992-B99D-43F2-ADE2-1A645F897579}" type="datetimeFigureOut">
               <a:rPr lang="en-GB" smtClean="0"/>
-              <a:t>21/11/2020</a:t>
+              <a:t>24/11/2020</a:t>
             </a:fld>
             <a:endParaRPr lang="en-GB"/>
           </a:p>
@@ -1416,7 +1417,7 @@
           <a:p>
             <a:fld id="{0CEB5992-B99D-43F2-ADE2-1A645F897579}" type="datetimeFigureOut">
               <a:rPr lang="en-GB" smtClean="0"/>
-              <a:t>21/11/2020</a:t>
+              <a:t>24/11/2020</a:t>
             </a:fld>
             <a:endParaRPr lang="en-GB"/>
           </a:p>
@@ -1831,7 +1832,7 @@
           <a:p>
             <a:fld id="{0CEB5992-B99D-43F2-ADE2-1A645F897579}" type="datetimeFigureOut">
               <a:rPr lang="en-GB" smtClean="0"/>
-              <a:t>21/11/2020</a:t>
+              <a:t>24/11/2020</a:t>
             </a:fld>
             <a:endParaRPr lang="en-GB"/>
           </a:p>
@@ -1973,7 +1974,7 @@
           <a:p>
             <a:fld id="{0CEB5992-B99D-43F2-ADE2-1A645F897579}" type="datetimeFigureOut">
               <a:rPr lang="en-GB" smtClean="0"/>
-              <a:t>21/11/2020</a:t>
+              <a:t>24/11/2020</a:t>
             </a:fld>
             <a:endParaRPr lang="en-GB"/>
           </a:p>
@@ -2086,7 +2087,7 @@
           <a:p>
             <a:fld id="{0CEB5992-B99D-43F2-ADE2-1A645F897579}" type="datetimeFigureOut">
               <a:rPr lang="en-GB" smtClean="0"/>
-              <a:t>21/11/2020</a:t>
+              <a:t>24/11/2020</a:t>
             </a:fld>
             <a:endParaRPr lang="en-GB"/>
           </a:p>
@@ -2399,7 +2400,7 @@
           <a:p>
             <a:fld id="{0CEB5992-B99D-43F2-ADE2-1A645F897579}" type="datetimeFigureOut">
               <a:rPr lang="en-GB" smtClean="0"/>
-              <a:t>21/11/2020</a:t>
+              <a:t>24/11/2020</a:t>
             </a:fld>
             <a:endParaRPr lang="en-GB"/>
           </a:p>
@@ -2688,7 +2689,7 @@
           <a:p>
             <a:fld id="{0CEB5992-B99D-43F2-ADE2-1A645F897579}" type="datetimeFigureOut">
               <a:rPr lang="en-GB" smtClean="0"/>
-              <a:t>21/11/2020</a:t>
+              <a:t>24/11/2020</a:t>
             </a:fld>
             <a:endParaRPr lang="en-GB"/>
           </a:p>
@@ -2931,7 +2932,7 @@
           <a:p>
             <a:fld id="{0CEB5992-B99D-43F2-ADE2-1A645F897579}" type="datetimeFigureOut">
               <a:rPr lang="en-GB" smtClean="0"/>
-              <a:t>21/11/2020</a:t>
+              <a:t>24/11/2020</a:t>
             </a:fld>
             <a:endParaRPr lang="en-GB"/>
           </a:p>
@@ -3709,8 +3710,8 @@
           </a:p>
         </p:txBody>
       </p:sp>
-      <mc:AlternateContent xmlns:mc="http://schemas.openxmlformats.org/markup-compatibility/2006">
-        <mc:Choice xmlns:a14="http://schemas.microsoft.com/office/drawing/2010/main" Requires="a14">
+      <mc:AlternateContent xmlns:mc="http://schemas.openxmlformats.org/markup-compatibility/2006" xmlns:a14="http://schemas.microsoft.com/office/drawing/2010/main">
+        <mc:Choice Requires="a14">
           <p:sp>
             <p:nvSpPr>
               <p:cNvPr id="9" name="TextBox 8">
@@ -3739,6 +3740,7 @@
               </a:bodyPr>
               <a:lstStyle/>
               <a:p>
+                <a:pPr/>
                 <a14:m>
                   <m:oMathPara xmlns:m="http://schemas.openxmlformats.org/officeDocument/2006/math">
                     <m:oMathParaPr>
@@ -3778,7 +3780,7 @@
             </p:txBody>
           </p:sp>
         </mc:Choice>
-        <mc:Fallback>
+        <mc:Fallback xmlns="">
           <p:sp>
             <p:nvSpPr>
               <p:cNvPr id="9" name="TextBox 8">
@@ -4107,8 +4109,8 @@
           </a:fontRef>
         </p:style>
       </p:cxnSp>
-      <mc:AlternateContent xmlns:mc="http://schemas.openxmlformats.org/markup-compatibility/2006">
-        <mc:Choice xmlns:a14="http://schemas.microsoft.com/office/drawing/2010/main" Requires="a14">
+      <mc:AlternateContent xmlns:mc="http://schemas.openxmlformats.org/markup-compatibility/2006" xmlns:a14="http://schemas.microsoft.com/office/drawing/2010/main">
+        <mc:Choice Requires="a14">
           <p:sp>
             <p:nvSpPr>
               <p:cNvPr id="32" name="TextBox 31">
@@ -4137,6 +4139,7 @@
               </a:bodyPr>
               <a:lstStyle/>
               <a:p>
+                <a:pPr/>
                 <a14:m>
                   <m:oMathPara xmlns:m="http://schemas.openxmlformats.org/officeDocument/2006/math">
                     <m:oMathParaPr>
@@ -4176,7 +4179,7 @@
             </p:txBody>
           </p:sp>
         </mc:Choice>
-        <mc:Fallback>
+        <mc:Fallback xmlns="">
           <p:sp>
             <p:nvSpPr>
               <p:cNvPr id="32" name="TextBox 31">
@@ -4221,8 +4224,8 @@
           </p:sp>
         </mc:Fallback>
       </mc:AlternateContent>
-      <mc:AlternateContent xmlns:mc="http://schemas.openxmlformats.org/markup-compatibility/2006">
-        <mc:Choice xmlns:a14="http://schemas.microsoft.com/office/drawing/2010/main" Requires="a14">
+      <mc:AlternateContent xmlns:mc="http://schemas.openxmlformats.org/markup-compatibility/2006" xmlns:a14="http://schemas.microsoft.com/office/drawing/2010/main">
+        <mc:Choice Requires="a14">
           <p:sp>
             <p:nvSpPr>
               <p:cNvPr id="33" name="TextBox 32">
@@ -4251,6 +4254,7 @@
               </a:bodyPr>
               <a:lstStyle/>
               <a:p>
+                <a:pPr/>
                 <a14:m>
                   <m:oMathPara xmlns:m="http://schemas.openxmlformats.org/officeDocument/2006/math">
                     <m:oMathParaPr>
@@ -4290,7 +4294,7 @@
             </p:txBody>
           </p:sp>
         </mc:Choice>
-        <mc:Fallback>
+        <mc:Fallback xmlns="">
           <p:sp>
             <p:nvSpPr>
               <p:cNvPr id="33" name="TextBox 32">
@@ -4335,8 +4339,8 @@
           </p:sp>
         </mc:Fallback>
       </mc:AlternateContent>
-      <mc:AlternateContent xmlns:mc="http://schemas.openxmlformats.org/markup-compatibility/2006">
-        <mc:Choice xmlns:a14="http://schemas.microsoft.com/office/drawing/2010/main" Requires="a14">
+      <mc:AlternateContent xmlns:mc="http://schemas.openxmlformats.org/markup-compatibility/2006" xmlns:a14="http://schemas.microsoft.com/office/drawing/2010/main">
+        <mc:Choice Requires="a14">
           <p:sp>
             <p:nvSpPr>
               <p:cNvPr id="35" name="TextBox 34">
@@ -4365,6 +4369,7 @@
               </a:bodyPr>
               <a:lstStyle/>
               <a:p>
+                <a:pPr/>
                 <a14:m>
                   <m:oMathPara xmlns:m="http://schemas.openxmlformats.org/officeDocument/2006/math">
                     <m:oMathParaPr>
@@ -4404,7 +4409,7 @@
             </p:txBody>
           </p:sp>
         </mc:Choice>
-        <mc:Fallback>
+        <mc:Fallback xmlns="">
           <p:sp>
             <p:nvSpPr>
               <p:cNvPr id="35" name="TextBox 34">
@@ -5317,6 +5322,890 @@
     <p:extLst>
       <p:ext uri="{BB962C8B-B14F-4D97-AF65-F5344CB8AC3E}">
         <p14:creationId xmlns:p14="http://schemas.microsoft.com/office/powerpoint/2010/main" val="3245422322"/>
+      </p:ext>
+    </p:extLst>
+  </p:cSld>
+  <p:clrMapOvr>
+    <a:masterClrMapping/>
+  </p:clrMapOvr>
+</p:sld>
+</file>
+
+<file path=ppt/slides/slide3.xml><?xml version="1.0" encoding="utf-8"?>
+<p:sld xmlns:a="http://schemas.openxmlformats.org/drawingml/2006/main" xmlns:r="http://schemas.openxmlformats.org/officeDocument/2006/relationships" xmlns:p="http://schemas.openxmlformats.org/presentationml/2006/main">
+  <p:cSld>
+    <p:spTree>
+      <p:nvGrpSpPr>
+        <p:cNvPr id="1" name=""/>
+        <p:cNvGrpSpPr/>
+        <p:nvPr/>
+      </p:nvGrpSpPr>
+      <p:grpSpPr>
+        <a:xfrm>
+          <a:off x="0" y="0"/>
+          <a:ext cx="0" cy="0"/>
+          <a:chOff x="0" y="0"/>
+          <a:chExt cx="0" cy="0"/>
+        </a:xfrm>
+      </p:grpSpPr>
+      <p:cxnSp>
+        <p:nvCxnSpPr>
+          <p:cNvPr id="5" name="Straight Connector 4">
+            <a:extLst>
+              <a:ext uri="{FF2B5EF4-FFF2-40B4-BE49-F238E27FC236}">
+                <a16:creationId xmlns:a16="http://schemas.microsoft.com/office/drawing/2014/main" id="{4E61421A-8976-419D-A768-4B8C6FC67EAF}"/>
+              </a:ext>
+            </a:extLst>
+          </p:cNvPr>
+          <p:cNvCxnSpPr/>
+          <p:nvPr/>
+        </p:nvCxnSpPr>
+        <p:spPr>
+          <a:xfrm>
+            <a:off x="2248930" y="897924"/>
+            <a:ext cx="0" cy="4077730"/>
+          </a:xfrm>
+          <a:prstGeom prst="line">
+            <a:avLst/>
+          </a:prstGeom>
+        </p:spPr>
+        <p:style>
+          <a:lnRef idx="1">
+            <a:schemeClr val="accent1"/>
+          </a:lnRef>
+          <a:fillRef idx="0">
+            <a:schemeClr val="accent1"/>
+          </a:fillRef>
+          <a:effectRef idx="0">
+            <a:schemeClr val="accent1"/>
+          </a:effectRef>
+          <a:fontRef idx="minor">
+            <a:schemeClr val="tx1"/>
+          </a:fontRef>
+        </p:style>
+      </p:cxnSp>
+      <p:cxnSp>
+        <p:nvCxnSpPr>
+          <p:cNvPr id="6" name="Straight Connector 5">
+            <a:extLst>
+              <a:ext uri="{FF2B5EF4-FFF2-40B4-BE49-F238E27FC236}">
+                <a16:creationId xmlns:a16="http://schemas.microsoft.com/office/drawing/2014/main" id="{69BD20F8-7041-4F2B-8046-32A72B349B1A}"/>
+              </a:ext>
+            </a:extLst>
+          </p:cNvPr>
+          <p:cNvCxnSpPr>
+            <a:cxnSpLocks/>
+          </p:cNvCxnSpPr>
+          <p:nvPr/>
+        </p:nvCxnSpPr>
+        <p:spPr>
+          <a:xfrm flipH="1">
+            <a:off x="2248930" y="4975654"/>
+            <a:ext cx="4782065" cy="0"/>
+          </a:xfrm>
+          <a:prstGeom prst="line">
+            <a:avLst/>
+          </a:prstGeom>
+        </p:spPr>
+        <p:style>
+          <a:lnRef idx="1">
+            <a:schemeClr val="accent1"/>
+          </a:lnRef>
+          <a:fillRef idx="0">
+            <a:schemeClr val="accent1"/>
+          </a:fillRef>
+          <a:effectRef idx="0">
+            <a:schemeClr val="accent1"/>
+          </a:effectRef>
+          <a:fontRef idx="minor">
+            <a:schemeClr val="tx1"/>
+          </a:fontRef>
+        </p:style>
+      </p:cxnSp>
+      <p:sp>
+        <p:nvSpPr>
+          <p:cNvPr id="8" name="Arc 7">
+            <a:extLst>
+              <a:ext uri="{FF2B5EF4-FFF2-40B4-BE49-F238E27FC236}">
+                <a16:creationId xmlns:a16="http://schemas.microsoft.com/office/drawing/2014/main" id="{4011B532-FD37-4613-8CAD-0887135DFA1E}"/>
+              </a:ext>
+            </a:extLst>
+          </p:cNvPr>
+          <p:cNvSpPr/>
+          <p:nvPr/>
+        </p:nvSpPr>
+        <p:spPr>
+          <a:xfrm rot="12039643">
+            <a:off x="2392134" y="993276"/>
+            <a:ext cx="9130455" cy="3349230"/>
+          </a:xfrm>
+          <a:prstGeom prst="arc">
+            <a:avLst>
+              <a:gd name="adj1" fmla="val 15223599"/>
+              <a:gd name="adj2" fmla="val 21284574"/>
+            </a:avLst>
+          </a:prstGeom>
+          <a:ln w="38100"/>
+        </p:spPr>
+        <p:style>
+          <a:lnRef idx="1">
+            <a:schemeClr val="accent1"/>
+          </a:lnRef>
+          <a:fillRef idx="0">
+            <a:schemeClr val="accent1"/>
+          </a:fillRef>
+          <a:effectRef idx="0">
+            <a:schemeClr val="accent1"/>
+          </a:effectRef>
+          <a:fontRef idx="minor">
+            <a:schemeClr val="tx1"/>
+          </a:fontRef>
+        </p:style>
+        <p:txBody>
+          <a:bodyPr rtlCol="0" anchor="ctr"/>
+          <a:lstStyle/>
+          <a:p>
+            <a:pPr algn="ctr"/>
+            <a:endParaRPr lang="en-GB"/>
+          </a:p>
+        </p:txBody>
+      </p:sp>
+      <p:cxnSp>
+        <p:nvCxnSpPr>
+          <p:cNvPr id="10" name="Straight Connector 9">
+            <a:extLst>
+              <a:ext uri="{FF2B5EF4-FFF2-40B4-BE49-F238E27FC236}">
+                <a16:creationId xmlns:a16="http://schemas.microsoft.com/office/drawing/2014/main" id="{0B9222E9-CA70-4D20-8C41-DFF2D22BEE66}"/>
+              </a:ext>
+            </a:extLst>
+          </p:cNvPr>
+          <p:cNvCxnSpPr/>
+          <p:nvPr/>
+        </p:nvCxnSpPr>
+        <p:spPr>
+          <a:xfrm flipV="1">
+            <a:off x="2248930" y="2290119"/>
+            <a:ext cx="5469924" cy="2092411"/>
+          </a:xfrm>
+          <a:prstGeom prst="line">
+            <a:avLst/>
+          </a:prstGeom>
+          <a:ln w="38100">
+            <a:solidFill>
+              <a:srgbClr val="FF0000"/>
+            </a:solidFill>
+          </a:ln>
+        </p:spPr>
+        <p:style>
+          <a:lnRef idx="1">
+            <a:schemeClr val="accent1"/>
+          </a:lnRef>
+          <a:fillRef idx="0">
+            <a:schemeClr val="accent1"/>
+          </a:fillRef>
+          <a:effectRef idx="0">
+            <a:schemeClr val="accent1"/>
+          </a:effectRef>
+          <a:fontRef idx="minor">
+            <a:schemeClr val="tx1"/>
+          </a:fontRef>
+        </p:style>
+      </p:cxnSp>
+      <p:sp>
+        <p:nvSpPr>
+          <p:cNvPr id="11" name="Arc 10">
+            <a:extLst>
+              <a:ext uri="{FF2B5EF4-FFF2-40B4-BE49-F238E27FC236}">
+                <a16:creationId xmlns:a16="http://schemas.microsoft.com/office/drawing/2014/main" id="{8C80D693-28B6-4CB3-9CF4-D3561563C82B}"/>
+              </a:ext>
+            </a:extLst>
+          </p:cNvPr>
+          <p:cNvSpPr/>
+          <p:nvPr/>
+        </p:nvSpPr>
+        <p:spPr>
+          <a:xfrm rot="12039643">
+            <a:off x="2193305" y="1093313"/>
+            <a:ext cx="9130455" cy="3799178"/>
+          </a:xfrm>
+          <a:prstGeom prst="arc">
+            <a:avLst>
+              <a:gd name="adj1" fmla="val 15558487"/>
+              <a:gd name="adj2" fmla="val 21208124"/>
+            </a:avLst>
+          </a:prstGeom>
+          <a:ln w="19050"/>
+        </p:spPr>
+        <p:style>
+          <a:lnRef idx="1">
+            <a:schemeClr val="accent1"/>
+          </a:lnRef>
+          <a:fillRef idx="0">
+            <a:schemeClr val="accent1"/>
+          </a:fillRef>
+          <a:effectRef idx="0">
+            <a:schemeClr val="accent1"/>
+          </a:effectRef>
+          <a:fontRef idx="minor">
+            <a:schemeClr val="tx1"/>
+          </a:fontRef>
+        </p:style>
+        <p:txBody>
+          <a:bodyPr rtlCol="0" anchor="ctr"/>
+          <a:lstStyle/>
+          <a:p>
+            <a:pPr algn="ctr"/>
+            <a:endParaRPr lang="en-GB"/>
+          </a:p>
+        </p:txBody>
+      </p:sp>
+      <p:cxnSp>
+        <p:nvCxnSpPr>
+          <p:cNvPr id="13" name="Straight Connector 12">
+            <a:extLst>
+              <a:ext uri="{FF2B5EF4-FFF2-40B4-BE49-F238E27FC236}">
+                <a16:creationId xmlns:a16="http://schemas.microsoft.com/office/drawing/2014/main" id="{6DCCDF4D-DCAA-446B-88A7-51D0C462AEFF}"/>
+              </a:ext>
+            </a:extLst>
+          </p:cNvPr>
+          <p:cNvCxnSpPr>
+            <a:cxnSpLocks/>
+          </p:cNvCxnSpPr>
+          <p:nvPr/>
+        </p:nvCxnSpPr>
+        <p:spPr>
+          <a:xfrm flipV="1">
+            <a:off x="4003589" y="2998573"/>
+            <a:ext cx="0" cy="1977081"/>
+          </a:xfrm>
+          <a:prstGeom prst="line">
+            <a:avLst/>
+          </a:prstGeom>
+        </p:spPr>
+        <p:style>
+          <a:lnRef idx="1">
+            <a:schemeClr val="accent1"/>
+          </a:lnRef>
+          <a:fillRef idx="0">
+            <a:schemeClr val="accent1"/>
+          </a:fillRef>
+          <a:effectRef idx="0">
+            <a:schemeClr val="accent1"/>
+          </a:effectRef>
+          <a:fontRef idx="minor">
+            <a:schemeClr val="tx1"/>
+          </a:fontRef>
+        </p:style>
+      </p:cxnSp>
+      <p:cxnSp>
+        <p:nvCxnSpPr>
+          <p:cNvPr id="16" name="Straight Connector 15">
+            <a:extLst>
+              <a:ext uri="{FF2B5EF4-FFF2-40B4-BE49-F238E27FC236}">
+                <a16:creationId xmlns:a16="http://schemas.microsoft.com/office/drawing/2014/main" id="{A8307ABF-404E-4E3D-8439-E5C9460C375A}"/>
+              </a:ext>
+            </a:extLst>
+          </p:cNvPr>
+          <p:cNvCxnSpPr>
+            <a:cxnSpLocks/>
+          </p:cNvCxnSpPr>
+          <p:nvPr/>
+        </p:nvCxnSpPr>
+        <p:spPr>
+          <a:xfrm>
+            <a:off x="1664273" y="2992902"/>
+            <a:ext cx="2339316" cy="1"/>
+          </a:xfrm>
+          <a:prstGeom prst="line">
+            <a:avLst/>
+          </a:prstGeom>
+          <a:ln w="38100">
+            <a:solidFill>
+              <a:srgbClr val="FF0000"/>
+            </a:solidFill>
+            <a:prstDash val="sysDot"/>
+          </a:ln>
+        </p:spPr>
+        <p:style>
+          <a:lnRef idx="1">
+            <a:schemeClr val="accent1"/>
+          </a:lnRef>
+          <a:fillRef idx="0">
+            <a:schemeClr val="accent1"/>
+          </a:fillRef>
+          <a:effectRef idx="0">
+            <a:schemeClr val="accent1"/>
+          </a:effectRef>
+          <a:fontRef idx="minor">
+            <a:schemeClr val="tx1"/>
+          </a:fontRef>
+        </p:style>
+      </p:cxnSp>
+      <p:sp>
+        <p:nvSpPr>
+          <p:cNvPr id="22" name="Arc 21">
+            <a:extLst>
+              <a:ext uri="{FF2B5EF4-FFF2-40B4-BE49-F238E27FC236}">
+                <a16:creationId xmlns:a16="http://schemas.microsoft.com/office/drawing/2014/main" id="{5B0923FE-5AA4-40B2-986D-183FDCF8D1D8}"/>
+              </a:ext>
+            </a:extLst>
+          </p:cNvPr>
+          <p:cNvSpPr/>
+          <p:nvPr/>
+        </p:nvSpPr>
+        <p:spPr>
+          <a:xfrm rot="12039643">
+            <a:off x="3516599" y="123360"/>
+            <a:ext cx="9130455" cy="3349230"/>
+          </a:xfrm>
+          <a:prstGeom prst="arc">
+            <a:avLst>
+              <a:gd name="adj1" fmla="val 15223599"/>
+              <a:gd name="adj2" fmla="val 21284574"/>
+            </a:avLst>
+          </a:prstGeom>
+          <a:ln w="38100">
+            <a:prstDash val="sysDot"/>
+          </a:ln>
+        </p:spPr>
+        <p:style>
+          <a:lnRef idx="1">
+            <a:schemeClr val="accent1"/>
+          </a:lnRef>
+          <a:fillRef idx="0">
+            <a:schemeClr val="accent1"/>
+          </a:fillRef>
+          <a:effectRef idx="0">
+            <a:schemeClr val="accent1"/>
+          </a:effectRef>
+          <a:fontRef idx="minor">
+            <a:schemeClr val="tx1"/>
+          </a:fontRef>
+        </p:style>
+        <p:txBody>
+          <a:bodyPr rtlCol="0" anchor="ctr"/>
+          <a:lstStyle/>
+          <a:p>
+            <a:pPr algn="ctr"/>
+            <a:endParaRPr lang="en-GB"/>
+          </a:p>
+        </p:txBody>
+      </p:sp>
+      <p:sp>
+        <p:nvSpPr>
+          <p:cNvPr id="23" name="Arc 22">
+            <a:extLst>
+              <a:ext uri="{FF2B5EF4-FFF2-40B4-BE49-F238E27FC236}">
+                <a16:creationId xmlns:a16="http://schemas.microsoft.com/office/drawing/2014/main" id="{F79741A6-25E0-45C5-AEFE-A1AAF5B77DD4}"/>
+              </a:ext>
+            </a:extLst>
+          </p:cNvPr>
+          <p:cNvSpPr/>
+          <p:nvPr/>
+        </p:nvSpPr>
+        <p:spPr>
+          <a:xfrm rot="12039643">
+            <a:off x="3317770" y="223397"/>
+            <a:ext cx="9130455" cy="3799178"/>
+          </a:xfrm>
+          <a:prstGeom prst="arc">
+            <a:avLst>
+              <a:gd name="adj1" fmla="val 15558487"/>
+              <a:gd name="adj2" fmla="val 21208124"/>
+            </a:avLst>
+          </a:prstGeom>
+          <a:ln w="19050">
+            <a:prstDash val="sysDot"/>
+          </a:ln>
+        </p:spPr>
+        <p:style>
+          <a:lnRef idx="1">
+            <a:schemeClr val="accent1"/>
+          </a:lnRef>
+          <a:fillRef idx="0">
+            <a:schemeClr val="accent1"/>
+          </a:fillRef>
+          <a:effectRef idx="0">
+            <a:schemeClr val="accent1"/>
+          </a:effectRef>
+          <a:fontRef idx="minor">
+            <a:schemeClr val="tx1"/>
+          </a:fontRef>
+        </p:style>
+        <p:txBody>
+          <a:bodyPr rtlCol="0" anchor="ctr"/>
+          <a:lstStyle/>
+          <a:p>
+            <a:pPr algn="ctr"/>
+            <a:endParaRPr lang="en-GB"/>
+          </a:p>
+        </p:txBody>
+      </p:sp>
+      <p:cxnSp>
+        <p:nvCxnSpPr>
+          <p:cNvPr id="24" name="Straight Connector 23">
+            <a:extLst>
+              <a:ext uri="{FF2B5EF4-FFF2-40B4-BE49-F238E27FC236}">
+                <a16:creationId xmlns:a16="http://schemas.microsoft.com/office/drawing/2014/main" id="{F92511B8-4588-465E-82FA-ABED44B2A887}"/>
+              </a:ext>
+            </a:extLst>
+          </p:cNvPr>
+          <p:cNvCxnSpPr>
+            <a:cxnSpLocks/>
+          </p:cNvCxnSpPr>
+          <p:nvPr/>
+        </p:nvCxnSpPr>
+        <p:spPr>
+          <a:xfrm>
+            <a:off x="2129480" y="2399778"/>
+            <a:ext cx="3426941" cy="1"/>
+          </a:xfrm>
+          <a:prstGeom prst="line">
+            <a:avLst/>
+          </a:prstGeom>
+          <a:ln>
+            <a:prstDash val="sysDash"/>
+          </a:ln>
+        </p:spPr>
+        <p:style>
+          <a:lnRef idx="1">
+            <a:schemeClr val="accent1"/>
+          </a:lnRef>
+          <a:fillRef idx="0">
+            <a:schemeClr val="accent1"/>
+          </a:fillRef>
+          <a:effectRef idx="0">
+            <a:schemeClr val="accent1"/>
+          </a:effectRef>
+          <a:fontRef idx="minor">
+            <a:schemeClr val="tx1"/>
+          </a:fontRef>
+        </p:style>
+      </p:cxnSp>
+      <p:cxnSp>
+        <p:nvCxnSpPr>
+          <p:cNvPr id="25" name="Straight Connector 24">
+            <a:extLst>
+              <a:ext uri="{FF2B5EF4-FFF2-40B4-BE49-F238E27FC236}">
+                <a16:creationId xmlns:a16="http://schemas.microsoft.com/office/drawing/2014/main" id="{FA753A6B-5FEC-4E18-B682-6E07BB60C339}"/>
+              </a:ext>
+            </a:extLst>
+          </p:cNvPr>
+          <p:cNvCxnSpPr>
+            <a:cxnSpLocks/>
+          </p:cNvCxnSpPr>
+          <p:nvPr/>
+        </p:nvCxnSpPr>
+        <p:spPr>
+          <a:xfrm flipV="1">
+            <a:off x="5556421" y="2438400"/>
+            <a:ext cx="0" cy="2537255"/>
+          </a:xfrm>
+          <a:prstGeom prst="line">
+            <a:avLst/>
+          </a:prstGeom>
+          <a:ln>
+            <a:prstDash val="sysDash"/>
+          </a:ln>
+        </p:spPr>
+        <p:style>
+          <a:lnRef idx="1">
+            <a:schemeClr val="accent1"/>
+          </a:lnRef>
+          <a:fillRef idx="0">
+            <a:schemeClr val="accent1"/>
+          </a:fillRef>
+          <a:effectRef idx="0">
+            <a:schemeClr val="accent1"/>
+          </a:effectRef>
+          <a:fontRef idx="minor">
+            <a:schemeClr val="tx1"/>
+          </a:fontRef>
+        </p:style>
+      </p:cxnSp>
+      <p:cxnSp>
+        <p:nvCxnSpPr>
+          <p:cNvPr id="28" name="Straight Connector 27">
+            <a:extLst>
+              <a:ext uri="{FF2B5EF4-FFF2-40B4-BE49-F238E27FC236}">
+                <a16:creationId xmlns:a16="http://schemas.microsoft.com/office/drawing/2014/main" id="{45093673-BD9A-4EFB-9E11-A2D3E3109395}"/>
+              </a:ext>
+            </a:extLst>
+          </p:cNvPr>
+          <p:cNvCxnSpPr>
+            <a:cxnSpLocks/>
+          </p:cNvCxnSpPr>
+          <p:nvPr/>
+        </p:nvCxnSpPr>
+        <p:spPr>
+          <a:xfrm flipV="1">
+            <a:off x="1664273" y="3427859"/>
+            <a:ext cx="3064246" cy="1141"/>
+          </a:xfrm>
+          <a:prstGeom prst="line">
+            <a:avLst/>
+          </a:prstGeom>
+          <a:ln w="38100">
+            <a:solidFill>
+              <a:srgbClr val="FF0000"/>
+            </a:solidFill>
+            <a:prstDash val="sysDot"/>
+          </a:ln>
+        </p:spPr>
+        <p:style>
+          <a:lnRef idx="1">
+            <a:schemeClr val="accent1"/>
+          </a:lnRef>
+          <a:fillRef idx="0">
+            <a:schemeClr val="accent1"/>
+          </a:fillRef>
+          <a:effectRef idx="0">
+            <a:schemeClr val="accent1"/>
+          </a:effectRef>
+          <a:fontRef idx="minor">
+            <a:schemeClr val="tx1"/>
+          </a:fontRef>
+        </p:style>
+      </p:cxnSp>
+      <p:sp>
+        <p:nvSpPr>
+          <p:cNvPr id="32" name="TextBox 31">
+            <a:extLst>
+              <a:ext uri="{FF2B5EF4-FFF2-40B4-BE49-F238E27FC236}">
+                <a16:creationId xmlns:a16="http://schemas.microsoft.com/office/drawing/2014/main" id="{13401958-CB3B-4977-B0E8-CD9601F8566E}"/>
+              </a:ext>
+            </a:extLst>
+          </p:cNvPr>
+          <p:cNvSpPr txBox="1"/>
+          <p:nvPr/>
+        </p:nvSpPr>
+        <p:spPr>
+          <a:xfrm>
+            <a:off x="636358" y="2752123"/>
+            <a:ext cx="741613" cy="369332"/>
+          </a:xfrm>
+          <a:prstGeom prst="rect">
+            <a:avLst/>
+          </a:prstGeom>
+          <a:noFill/>
+        </p:spPr>
+        <p:txBody>
+          <a:bodyPr wrap="none" rtlCol="0">
+            <a:spAutoFit/>
+          </a:bodyPr>
+          <a:lstStyle/>
+          <a:p>
+            <a:r>
+              <a:rPr lang="en-GB" dirty="0"/>
+              <a:t>Cartel</a:t>
+            </a:r>
+          </a:p>
+        </p:txBody>
+      </p:sp>
+      <p:sp>
+        <p:nvSpPr>
+          <p:cNvPr id="33" name="TextBox 32">
+            <a:extLst>
+              <a:ext uri="{FF2B5EF4-FFF2-40B4-BE49-F238E27FC236}">
+                <a16:creationId xmlns:a16="http://schemas.microsoft.com/office/drawing/2014/main" id="{D8D48EBE-325F-4771-9267-E29B23164F0C}"/>
+              </a:ext>
+            </a:extLst>
+          </p:cNvPr>
+          <p:cNvSpPr txBox="1"/>
+          <p:nvPr/>
+        </p:nvSpPr>
+        <p:spPr>
+          <a:xfrm>
+            <a:off x="612378" y="3243193"/>
+            <a:ext cx="1065420" cy="369332"/>
+          </a:xfrm>
+          <a:prstGeom prst="rect">
+            <a:avLst/>
+          </a:prstGeom>
+          <a:noFill/>
+        </p:spPr>
+        <p:txBody>
+          <a:bodyPr wrap="none" rtlCol="0">
+            <a:spAutoFit/>
+          </a:bodyPr>
+          <a:lstStyle/>
+          <a:p>
+            <a:r>
+              <a:rPr lang="en-GB" dirty="0"/>
+              <a:t>No Cartel</a:t>
+            </a:r>
+          </a:p>
+        </p:txBody>
+      </p:sp>
+      <p:sp>
+        <p:nvSpPr>
+          <p:cNvPr id="34" name="TextBox 33">
+            <a:extLst>
+              <a:ext uri="{FF2B5EF4-FFF2-40B4-BE49-F238E27FC236}">
+                <a16:creationId xmlns:a16="http://schemas.microsoft.com/office/drawing/2014/main" id="{724745D8-2777-4DB7-9ABF-EB1DD460B2AD}"/>
+              </a:ext>
+            </a:extLst>
+          </p:cNvPr>
+          <p:cNvSpPr txBox="1"/>
+          <p:nvPr/>
+        </p:nvSpPr>
+        <p:spPr>
+          <a:xfrm>
+            <a:off x="2258382" y="1114144"/>
+            <a:ext cx="1034257" cy="369332"/>
+          </a:xfrm>
+          <a:prstGeom prst="rect">
+            <a:avLst/>
+          </a:prstGeom>
+          <a:noFill/>
+        </p:spPr>
+        <p:txBody>
+          <a:bodyPr wrap="none" rtlCol="0">
+            <a:spAutoFit/>
+          </a:bodyPr>
+          <a:lstStyle/>
+          <a:p>
+            <a:r>
+              <a:rPr lang="en-GB" dirty="0"/>
+              <a:t>Demand </a:t>
+            </a:r>
+          </a:p>
+        </p:txBody>
+      </p:sp>
+      <p:sp>
+        <p:nvSpPr>
+          <p:cNvPr id="35" name="TextBox 34">
+            <a:extLst>
+              <a:ext uri="{FF2B5EF4-FFF2-40B4-BE49-F238E27FC236}">
+                <a16:creationId xmlns:a16="http://schemas.microsoft.com/office/drawing/2014/main" id="{15732276-1585-4042-8921-E0E9F5637DBB}"/>
+              </a:ext>
+            </a:extLst>
+          </p:cNvPr>
+          <p:cNvSpPr txBox="1"/>
+          <p:nvPr/>
+        </p:nvSpPr>
+        <p:spPr>
+          <a:xfrm>
+            <a:off x="3325821" y="212469"/>
+            <a:ext cx="2600392" cy="369332"/>
+          </a:xfrm>
+          <a:prstGeom prst="rect">
+            <a:avLst/>
+          </a:prstGeom>
+          <a:noFill/>
+        </p:spPr>
+        <p:txBody>
+          <a:bodyPr wrap="none" rtlCol="0">
+            <a:spAutoFit/>
+          </a:bodyPr>
+          <a:lstStyle/>
+          <a:p>
+            <a:r>
+              <a:rPr lang="en-GB" dirty="0"/>
+              <a:t>Demand During Icy times </a:t>
+            </a:r>
+          </a:p>
+        </p:txBody>
+      </p:sp>
+      <p:sp>
+        <p:nvSpPr>
+          <p:cNvPr id="36" name="TextBox 35">
+            <a:extLst>
+              <a:ext uri="{FF2B5EF4-FFF2-40B4-BE49-F238E27FC236}">
+                <a16:creationId xmlns:a16="http://schemas.microsoft.com/office/drawing/2014/main" id="{612AFE83-26CB-4520-A9A0-AB4C5E5CCCBF}"/>
+              </a:ext>
+            </a:extLst>
+          </p:cNvPr>
+          <p:cNvSpPr txBox="1"/>
+          <p:nvPr/>
+        </p:nvSpPr>
+        <p:spPr>
+          <a:xfrm>
+            <a:off x="6384324" y="4689414"/>
+            <a:ext cx="1934184" cy="369332"/>
+          </a:xfrm>
+          <a:prstGeom prst="rect">
+            <a:avLst/>
+          </a:prstGeom>
+          <a:noFill/>
+        </p:spPr>
+        <p:txBody>
+          <a:bodyPr wrap="none" rtlCol="0">
+            <a:spAutoFit/>
+          </a:bodyPr>
+          <a:lstStyle/>
+          <a:p>
+            <a:r>
+              <a:rPr lang="en-GB" dirty="0"/>
+              <a:t>Marginal Revenue </a:t>
+            </a:r>
+          </a:p>
+        </p:txBody>
+      </p:sp>
+      <p:cxnSp>
+        <p:nvCxnSpPr>
+          <p:cNvPr id="37" name="Straight Connector 36">
+            <a:extLst>
+              <a:ext uri="{FF2B5EF4-FFF2-40B4-BE49-F238E27FC236}">
+                <a16:creationId xmlns:a16="http://schemas.microsoft.com/office/drawing/2014/main" id="{2096518A-981A-46E2-94A7-E1F2958D77F9}"/>
+              </a:ext>
+            </a:extLst>
+          </p:cNvPr>
+          <p:cNvCxnSpPr>
+            <a:cxnSpLocks/>
+          </p:cNvCxnSpPr>
+          <p:nvPr/>
+        </p:nvCxnSpPr>
+        <p:spPr>
+          <a:xfrm flipV="1">
+            <a:off x="2224228" y="2442520"/>
+            <a:ext cx="5647026" cy="2198734"/>
+          </a:xfrm>
+          <a:prstGeom prst="line">
+            <a:avLst/>
+          </a:prstGeom>
+          <a:ln w="28575">
+            <a:solidFill>
+              <a:srgbClr val="FF0000"/>
+            </a:solidFill>
+            <a:prstDash val="sysDot"/>
+          </a:ln>
+        </p:spPr>
+        <p:style>
+          <a:lnRef idx="1">
+            <a:schemeClr val="accent1"/>
+          </a:lnRef>
+          <a:fillRef idx="0">
+            <a:schemeClr val="accent1"/>
+          </a:fillRef>
+          <a:effectRef idx="0">
+            <a:schemeClr val="accent1"/>
+          </a:effectRef>
+          <a:fontRef idx="minor">
+            <a:schemeClr val="tx1"/>
+          </a:fontRef>
+        </p:style>
+      </p:cxnSp>
+      <p:sp>
+        <p:nvSpPr>
+          <p:cNvPr id="39" name="TextBox 38">
+            <a:extLst>
+              <a:ext uri="{FF2B5EF4-FFF2-40B4-BE49-F238E27FC236}">
+                <a16:creationId xmlns:a16="http://schemas.microsoft.com/office/drawing/2014/main" id="{B46B8701-0EA3-479F-9947-FF25518A1EEA}"/>
+              </a:ext>
+            </a:extLst>
+          </p:cNvPr>
+          <p:cNvSpPr txBox="1"/>
+          <p:nvPr/>
+        </p:nvSpPr>
+        <p:spPr>
+          <a:xfrm>
+            <a:off x="7927839" y="2298559"/>
+            <a:ext cx="2655150" cy="369332"/>
+          </a:xfrm>
+          <a:prstGeom prst="rect">
+            <a:avLst/>
+          </a:prstGeom>
+          <a:noFill/>
+        </p:spPr>
+        <p:txBody>
+          <a:bodyPr wrap="none" rtlCol="0">
+            <a:spAutoFit/>
+          </a:bodyPr>
+          <a:lstStyle/>
+          <a:p>
+            <a:r>
+              <a:rPr lang="en-GB" dirty="0"/>
+              <a:t>Alternative Marginal Costs</a:t>
+            </a:r>
+          </a:p>
+        </p:txBody>
+      </p:sp>
+      <p:sp>
+        <p:nvSpPr>
+          <p:cNvPr id="40" name="TextBox 39">
+            <a:extLst>
+              <a:ext uri="{FF2B5EF4-FFF2-40B4-BE49-F238E27FC236}">
+                <a16:creationId xmlns:a16="http://schemas.microsoft.com/office/drawing/2014/main" id="{D1C0A506-9815-4A78-AC27-6AF0D5D5C46B}"/>
+              </a:ext>
+            </a:extLst>
+          </p:cNvPr>
+          <p:cNvSpPr txBox="1"/>
+          <p:nvPr/>
+        </p:nvSpPr>
+        <p:spPr>
+          <a:xfrm>
+            <a:off x="7441969" y="1938677"/>
+            <a:ext cx="1568763" cy="369332"/>
+          </a:xfrm>
+          <a:prstGeom prst="rect">
+            <a:avLst/>
+          </a:prstGeom>
+          <a:noFill/>
+        </p:spPr>
+        <p:txBody>
+          <a:bodyPr wrap="none" rtlCol="0">
+            <a:spAutoFit/>
+          </a:bodyPr>
+          <a:lstStyle/>
+          <a:p>
+            <a:r>
+              <a:rPr lang="en-GB" dirty="0"/>
+              <a:t>Marginal Costs</a:t>
+            </a:r>
+          </a:p>
+        </p:txBody>
+      </p:sp>
+      <p:cxnSp>
+        <p:nvCxnSpPr>
+          <p:cNvPr id="42" name="Straight Connector 41">
+            <a:extLst>
+              <a:ext uri="{FF2B5EF4-FFF2-40B4-BE49-F238E27FC236}">
+                <a16:creationId xmlns:a16="http://schemas.microsoft.com/office/drawing/2014/main" id="{2BFE3001-67A6-4F9C-82E5-21D71DB86045}"/>
+              </a:ext>
+            </a:extLst>
+          </p:cNvPr>
+          <p:cNvCxnSpPr>
+            <a:cxnSpLocks/>
+          </p:cNvCxnSpPr>
+          <p:nvPr/>
+        </p:nvCxnSpPr>
+        <p:spPr>
+          <a:xfrm flipH="1" flipV="1">
+            <a:off x="4003588" y="2992902"/>
+            <a:ext cx="980304" cy="619623"/>
+          </a:xfrm>
+          <a:prstGeom prst="line">
+            <a:avLst/>
+          </a:prstGeom>
+          <a:ln w="38100">
+            <a:solidFill>
+              <a:srgbClr val="FFC000">
+                <a:alpha val="47843"/>
+              </a:srgbClr>
+            </a:solidFill>
+            <a:prstDash val="sysDash"/>
+          </a:ln>
+        </p:spPr>
+        <p:style>
+          <a:lnRef idx="1">
+            <a:schemeClr val="accent1"/>
+          </a:lnRef>
+          <a:fillRef idx="0">
+            <a:schemeClr val="accent1"/>
+          </a:fillRef>
+          <a:effectRef idx="0">
+            <a:schemeClr val="accent1"/>
+          </a:effectRef>
+          <a:fontRef idx="minor">
+            <a:schemeClr val="tx1"/>
+          </a:fontRef>
+        </p:style>
+      </p:cxnSp>
+    </p:spTree>
+    <p:extLst>
+      <p:ext uri="{BB962C8B-B14F-4D97-AF65-F5344CB8AC3E}">
+        <p14:creationId xmlns:p14="http://schemas.microsoft.com/office/powerpoint/2010/main" val="1635782341"/>
       </p:ext>
     </p:extLst>
   </p:cSld>

--- a/slides/pollutionchains.pptx
+++ b/slides/pollutionchains.pptx
@@ -8,6 +8,7 @@
     <p:sldId id="256" r:id="rId2"/>
     <p:sldId id="257" r:id="rId3"/>
     <p:sldId id="258" r:id="rId4"/>
+    <p:sldId id="259" r:id="rId5"/>
   </p:sldIdLst>
   <p:sldSz cx="12192000" cy="6858000"/>
   <p:notesSz cx="6858000" cy="9144000"/>
@@ -263,7 +264,7 @@
           <a:p>
             <a:fld id="{0CEB5992-B99D-43F2-ADE2-1A645F897579}" type="datetimeFigureOut">
               <a:rPr lang="en-GB" smtClean="0"/>
-              <a:t>24/11/2020</a:t>
+              <a:t>27/11/2020</a:t>
             </a:fld>
             <a:endParaRPr lang="en-GB"/>
           </a:p>
@@ -463,7 +464,7 @@
           <a:p>
             <a:fld id="{0CEB5992-B99D-43F2-ADE2-1A645F897579}" type="datetimeFigureOut">
               <a:rPr lang="en-GB" smtClean="0"/>
-              <a:t>24/11/2020</a:t>
+              <a:t>27/11/2020</a:t>
             </a:fld>
             <a:endParaRPr lang="en-GB"/>
           </a:p>
@@ -673,7 +674,7 @@
           <a:p>
             <a:fld id="{0CEB5992-B99D-43F2-ADE2-1A645F897579}" type="datetimeFigureOut">
               <a:rPr lang="en-GB" smtClean="0"/>
-              <a:t>24/11/2020</a:t>
+              <a:t>27/11/2020</a:t>
             </a:fld>
             <a:endParaRPr lang="en-GB"/>
           </a:p>
@@ -873,7 +874,7 @@
           <a:p>
             <a:fld id="{0CEB5992-B99D-43F2-ADE2-1A645F897579}" type="datetimeFigureOut">
               <a:rPr lang="en-GB" smtClean="0"/>
-              <a:t>24/11/2020</a:t>
+              <a:t>27/11/2020</a:t>
             </a:fld>
             <a:endParaRPr lang="en-GB"/>
           </a:p>
@@ -1149,7 +1150,7 @@
           <a:p>
             <a:fld id="{0CEB5992-B99D-43F2-ADE2-1A645F897579}" type="datetimeFigureOut">
               <a:rPr lang="en-GB" smtClean="0"/>
-              <a:t>24/11/2020</a:t>
+              <a:t>27/11/2020</a:t>
             </a:fld>
             <a:endParaRPr lang="en-GB"/>
           </a:p>
@@ -1417,7 +1418,7 @@
           <a:p>
             <a:fld id="{0CEB5992-B99D-43F2-ADE2-1A645F897579}" type="datetimeFigureOut">
               <a:rPr lang="en-GB" smtClean="0"/>
-              <a:t>24/11/2020</a:t>
+              <a:t>27/11/2020</a:t>
             </a:fld>
             <a:endParaRPr lang="en-GB"/>
           </a:p>
@@ -1832,7 +1833,7 @@
           <a:p>
             <a:fld id="{0CEB5992-B99D-43F2-ADE2-1A645F897579}" type="datetimeFigureOut">
               <a:rPr lang="en-GB" smtClean="0"/>
-              <a:t>24/11/2020</a:t>
+              <a:t>27/11/2020</a:t>
             </a:fld>
             <a:endParaRPr lang="en-GB"/>
           </a:p>
@@ -1974,7 +1975,7 @@
           <a:p>
             <a:fld id="{0CEB5992-B99D-43F2-ADE2-1A645F897579}" type="datetimeFigureOut">
               <a:rPr lang="en-GB" smtClean="0"/>
-              <a:t>24/11/2020</a:t>
+              <a:t>27/11/2020</a:t>
             </a:fld>
             <a:endParaRPr lang="en-GB"/>
           </a:p>
@@ -2087,7 +2088,7 @@
           <a:p>
             <a:fld id="{0CEB5992-B99D-43F2-ADE2-1A645F897579}" type="datetimeFigureOut">
               <a:rPr lang="en-GB" smtClean="0"/>
-              <a:t>24/11/2020</a:t>
+              <a:t>27/11/2020</a:t>
             </a:fld>
             <a:endParaRPr lang="en-GB"/>
           </a:p>
@@ -2400,7 +2401,7 @@
           <a:p>
             <a:fld id="{0CEB5992-B99D-43F2-ADE2-1A645F897579}" type="datetimeFigureOut">
               <a:rPr lang="en-GB" smtClean="0"/>
-              <a:t>24/11/2020</a:t>
+              <a:t>27/11/2020</a:t>
             </a:fld>
             <a:endParaRPr lang="en-GB"/>
           </a:p>
@@ -2689,7 +2690,7 @@
           <a:p>
             <a:fld id="{0CEB5992-B99D-43F2-ADE2-1A645F897579}" type="datetimeFigureOut">
               <a:rPr lang="en-GB" smtClean="0"/>
-              <a:t>24/11/2020</a:t>
+              <a:t>27/11/2020</a:t>
             </a:fld>
             <a:endParaRPr lang="en-GB"/>
           </a:p>
@@ -2932,7 +2933,7 @@
           <a:p>
             <a:fld id="{0CEB5992-B99D-43F2-ADE2-1A645F897579}" type="datetimeFigureOut">
               <a:rPr lang="en-GB" smtClean="0"/>
-              <a:t>24/11/2020</a:t>
+              <a:t>27/11/2020</a:t>
             </a:fld>
             <a:endParaRPr lang="en-GB"/>
           </a:p>
@@ -6215,6 +6216,445 @@
 </p:sld>
 </file>
 
+<file path=ppt/slides/slide4.xml><?xml version="1.0" encoding="utf-8"?>
+<p:sld xmlns:a="http://schemas.openxmlformats.org/drawingml/2006/main" xmlns:r="http://schemas.openxmlformats.org/officeDocument/2006/relationships" xmlns:p="http://schemas.openxmlformats.org/presentationml/2006/main">
+  <p:cSld>
+    <p:spTree>
+      <p:nvGrpSpPr>
+        <p:cNvPr id="1" name=""/>
+        <p:cNvGrpSpPr/>
+        <p:nvPr/>
+      </p:nvGrpSpPr>
+      <p:grpSpPr>
+        <a:xfrm>
+          <a:off x="0" y="0"/>
+          <a:ext cx="0" cy="0"/>
+          <a:chOff x="0" y="0"/>
+          <a:chExt cx="0" cy="0"/>
+        </a:xfrm>
+      </p:grpSpPr>
+      <p:cxnSp>
+        <p:nvCxnSpPr>
+          <p:cNvPr id="5" name="Straight Connector 4">
+            <a:extLst>
+              <a:ext uri="{FF2B5EF4-FFF2-40B4-BE49-F238E27FC236}">
+                <a16:creationId xmlns:a16="http://schemas.microsoft.com/office/drawing/2014/main" id="{AEC0FC71-4CF7-4F96-8D72-5BD54E047515}"/>
+              </a:ext>
+            </a:extLst>
+          </p:cNvPr>
+          <p:cNvCxnSpPr/>
+          <p:nvPr/>
+        </p:nvCxnSpPr>
+        <p:spPr>
+          <a:xfrm>
+            <a:off x="1596980" y="656823"/>
+            <a:ext cx="0" cy="3464416"/>
+          </a:xfrm>
+          <a:prstGeom prst="line">
+            <a:avLst/>
+          </a:prstGeom>
+        </p:spPr>
+        <p:style>
+          <a:lnRef idx="1">
+            <a:schemeClr val="accent1"/>
+          </a:lnRef>
+          <a:fillRef idx="0">
+            <a:schemeClr val="accent1"/>
+          </a:fillRef>
+          <a:effectRef idx="0">
+            <a:schemeClr val="accent1"/>
+          </a:effectRef>
+          <a:fontRef idx="minor">
+            <a:schemeClr val="tx1"/>
+          </a:fontRef>
+        </p:style>
+      </p:cxnSp>
+      <p:cxnSp>
+        <p:nvCxnSpPr>
+          <p:cNvPr id="7" name="Straight Connector 6">
+            <a:extLst>
+              <a:ext uri="{FF2B5EF4-FFF2-40B4-BE49-F238E27FC236}">
+                <a16:creationId xmlns:a16="http://schemas.microsoft.com/office/drawing/2014/main" id="{47A3AADF-12D0-49B0-AD62-258554547781}"/>
+              </a:ext>
+            </a:extLst>
+          </p:cNvPr>
+          <p:cNvCxnSpPr/>
+          <p:nvPr/>
+        </p:nvCxnSpPr>
+        <p:spPr>
+          <a:xfrm>
+            <a:off x="1455313" y="3979572"/>
+            <a:ext cx="5106473" cy="0"/>
+          </a:xfrm>
+          <a:prstGeom prst="line">
+            <a:avLst/>
+          </a:prstGeom>
+        </p:spPr>
+        <p:style>
+          <a:lnRef idx="1">
+            <a:schemeClr val="accent1"/>
+          </a:lnRef>
+          <a:fillRef idx="0">
+            <a:schemeClr val="accent1"/>
+          </a:fillRef>
+          <a:effectRef idx="0">
+            <a:schemeClr val="accent1"/>
+          </a:effectRef>
+          <a:fontRef idx="minor">
+            <a:schemeClr val="tx1"/>
+          </a:fontRef>
+        </p:style>
+      </p:cxnSp>
+      <p:sp>
+        <p:nvSpPr>
+          <p:cNvPr id="9" name="Rectangle 8">
+            <a:extLst>
+              <a:ext uri="{FF2B5EF4-FFF2-40B4-BE49-F238E27FC236}">
+                <a16:creationId xmlns:a16="http://schemas.microsoft.com/office/drawing/2014/main" id="{A4B2FCEA-BCC7-45A3-8C9F-9CDA828424DC}"/>
+              </a:ext>
+            </a:extLst>
+          </p:cNvPr>
+          <p:cNvSpPr/>
+          <p:nvPr/>
+        </p:nvSpPr>
+        <p:spPr>
+          <a:xfrm>
+            <a:off x="1596980" y="3000777"/>
+            <a:ext cx="1925392" cy="978795"/>
+          </a:xfrm>
+          <a:prstGeom prst="rect">
+            <a:avLst/>
+          </a:prstGeom>
+        </p:spPr>
+        <p:style>
+          <a:lnRef idx="2">
+            <a:schemeClr val="accent1">
+              <a:shade val="50000"/>
+            </a:schemeClr>
+          </a:lnRef>
+          <a:fillRef idx="1">
+            <a:schemeClr val="accent1"/>
+          </a:fillRef>
+          <a:effectRef idx="0">
+            <a:schemeClr val="accent1"/>
+          </a:effectRef>
+          <a:fontRef idx="minor">
+            <a:schemeClr val="lt1"/>
+          </a:fontRef>
+        </p:style>
+        <p:txBody>
+          <a:bodyPr rtlCol="0" anchor="ctr"/>
+          <a:lstStyle/>
+          <a:p>
+            <a:pPr algn="ctr"/>
+            <a:r>
+              <a:rPr lang="en-GB" dirty="0"/>
+              <a:t>Non Treated</a:t>
+            </a:r>
+          </a:p>
+        </p:txBody>
+      </p:sp>
+      <p:cxnSp>
+        <p:nvCxnSpPr>
+          <p:cNvPr id="11" name="Straight Connector 10">
+            <a:extLst>
+              <a:ext uri="{FF2B5EF4-FFF2-40B4-BE49-F238E27FC236}">
+                <a16:creationId xmlns:a16="http://schemas.microsoft.com/office/drawing/2014/main" id="{F77C878E-511E-46B1-AE73-F9A0C0288960}"/>
+              </a:ext>
+            </a:extLst>
+          </p:cNvPr>
+          <p:cNvCxnSpPr/>
+          <p:nvPr/>
+        </p:nvCxnSpPr>
+        <p:spPr>
+          <a:xfrm flipV="1">
+            <a:off x="3522371" y="1719330"/>
+            <a:ext cx="0" cy="3509493"/>
+          </a:xfrm>
+          <a:prstGeom prst="line">
+            <a:avLst/>
+          </a:prstGeom>
+        </p:spPr>
+        <p:style>
+          <a:lnRef idx="1">
+            <a:schemeClr val="accent1"/>
+          </a:lnRef>
+          <a:fillRef idx="0">
+            <a:schemeClr val="accent1"/>
+          </a:fillRef>
+          <a:effectRef idx="0">
+            <a:schemeClr val="accent1"/>
+          </a:effectRef>
+          <a:fontRef idx="minor">
+            <a:schemeClr val="tx1"/>
+          </a:fontRef>
+        </p:style>
+      </p:cxnSp>
+      <p:sp>
+        <p:nvSpPr>
+          <p:cNvPr id="12" name="TextBox 11">
+            <a:extLst>
+              <a:ext uri="{FF2B5EF4-FFF2-40B4-BE49-F238E27FC236}">
+                <a16:creationId xmlns:a16="http://schemas.microsoft.com/office/drawing/2014/main" id="{49024E1A-FBEA-43C4-B467-1A93206FEC81}"/>
+              </a:ext>
+            </a:extLst>
+          </p:cNvPr>
+          <p:cNvSpPr txBox="1"/>
+          <p:nvPr/>
+        </p:nvSpPr>
+        <p:spPr>
+          <a:xfrm>
+            <a:off x="2794715" y="4874654"/>
+            <a:ext cx="2305319" cy="369332"/>
+          </a:xfrm>
+          <a:prstGeom prst="rect">
+            <a:avLst/>
+          </a:prstGeom>
+          <a:noFill/>
+        </p:spPr>
+        <p:txBody>
+          <a:bodyPr wrap="square" rtlCol="0">
+            <a:spAutoFit/>
+          </a:bodyPr>
+          <a:lstStyle/>
+          <a:p>
+            <a:r>
+              <a:rPr lang="en-GB" dirty="0"/>
+              <a:t>Treatment Start</a:t>
+            </a:r>
+          </a:p>
+        </p:txBody>
+      </p:sp>
+      <p:sp>
+        <p:nvSpPr>
+          <p:cNvPr id="13" name="TextBox 12">
+            <a:extLst>
+              <a:ext uri="{FF2B5EF4-FFF2-40B4-BE49-F238E27FC236}">
+                <a16:creationId xmlns:a16="http://schemas.microsoft.com/office/drawing/2014/main" id="{F494762E-3353-477D-A58A-9CD604189459}"/>
+              </a:ext>
+            </a:extLst>
+          </p:cNvPr>
+          <p:cNvSpPr txBox="1"/>
+          <p:nvPr/>
+        </p:nvSpPr>
+        <p:spPr>
+          <a:xfrm>
+            <a:off x="6272011" y="4057781"/>
+            <a:ext cx="880562" cy="369332"/>
+          </a:xfrm>
+          <a:prstGeom prst="rect">
+            <a:avLst/>
+          </a:prstGeom>
+          <a:noFill/>
+        </p:spPr>
+        <p:txBody>
+          <a:bodyPr wrap="none" rtlCol="0">
+            <a:spAutoFit/>
+          </a:bodyPr>
+          <a:lstStyle/>
+          <a:p>
+            <a:r>
+              <a:rPr lang="en-GB" dirty="0"/>
+              <a:t>Periods</a:t>
+            </a:r>
+          </a:p>
+        </p:txBody>
+      </p:sp>
+      <p:sp>
+        <p:nvSpPr>
+          <p:cNvPr id="14" name="TextBox 13">
+            <a:extLst>
+              <a:ext uri="{FF2B5EF4-FFF2-40B4-BE49-F238E27FC236}">
+                <a16:creationId xmlns:a16="http://schemas.microsoft.com/office/drawing/2014/main" id="{28CD8B85-25AD-4768-964F-BCE811A86C3D}"/>
+              </a:ext>
+            </a:extLst>
+          </p:cNvPr>
+          <p:cNvSpPr txBox="1"/>
+          <p:nvPr/>
+        </p:nvSpPr>
+        <p:spPr>
+          <a:xfrm>
+            <a:off x="716418" y="346519"/>
+            <a:ext cx="1050352" cy="369332"/>
+          </a:xfrm>
+          <a:prstGeom prst="rect">
+            <a:avLst/>
+          </a:prstGeom>
+          <a:noFill/>
+        </p:spPr>
+        <p:txBody>
+          <a:bodyPr wrap="none" rtlCol="0">
+            <a:spAutoFit/>
+          </a:bodyPr>
+          <a:lstStyle/>
+          <a:p>
+            <a:r>
+              <a:rPr lang="en-GB" dirty="0"/>
+              <a:t>Outcome</a:t>
+            </a:r>
+          </a:p>
+        </p:txBody>
+      </p:sp>
+      <p:sp>
+        <p:nvSpPr>
+          <p:cNvPr id="15" name="Rectangle 14">
+            <a:extLst>
+              <a:ext uri="{FF2B5EF4-FFF2-40B4-BE49-F238E27FC236}">
+                <a16:creationId xmlns:a16="http://schemas.microsoft.com/office/drawing/2014/main" id="{60A1630F-C39F-49E2-953F-2EADF749828A}"/>
+              </a:ext>
+            </a:extLst>
+          </p:cNvPr>
+          <p:cNvSpPr/>
+          <p:nvPr/>
+        </p:nvSpPr>
+        <p:spPr>
+          <a:xfrm>
+            <a:off x="3522370" y="2597170"/>
+            <a:ext cx="1925392" cy="978795"/>
+          </a:xfrm>
+          <a:prstGeom prst="rect">
+            <a:avLst/>
+          </a:prstGeom>
+        </p:spPr>
+        <p:style>
+          <a:lnRef idx="2">
+            <a:schemeClr val="accent1">
+              <a:shade val="50000"/>
+            </a:schemeClr>
+          </a:lnRef>
+          <a:fillRef idx="1">
+            <a:schemeClr val="accent1"/>
+          </a:fillRef>
+          <a:effectRef idx="0">
+            <a:schemeClr val="accent1"/>
+          </a:effectRef>
+          <a:fontRef idx="minor">
+            <a:schemeClr val="lt1"/>
+          </a:fontRef>
+        </p:style>
+        <p:txBody>
+          <a:bodyPr rtlCol="0" anchor="ctr"/>
+          <a:lstStyle/>
+          <a:p>
+            <a:pPr algn="ctr"/>
+            <a:r>
+              <a:rPr lang="en-GB" dirty="0"/>
+              <a:t>Non Treated</a:t>
+            </a:r>
+          </a:p>
+        </p:txBody>
+      </p:sp>
+      <p:sp>
+        <p:nvSpPr>
+          <p:cNvPr id="16" name="Rectangle 15">
+            <a:extLst>
+              <a:ext uri="{FF2B5EF4-FFF2-40B4-BE49-F238E27FC236}">
+                <a16:creationId xmlns:a16="http://schemas.microsoft.com/office/drawing/2014/main" id="{3ACD5AC2-4188-4526-A0FC-B1C9DB8D4FF9}"/>
+              </a:ext>
+            </a:extLst>
+          </p:cNvPr>
+          <p:cNvSpPr/>
+          <p:nvPr/>
+        </p:nvSpPr>
+        <p:spPr>
+          <a:xfrm>
+            <a:off x="1596980" y="1745085"/>
+            <a:ext cx="1925392" cy="978795"/>
+          </a:xfrm>
+          <a:prstGeom prst="rect">
+            <a:avLst/>
+          </a:prstGeom>
+        </p:spPr>
+        <p:style>
+          <a:lnRef idx="2">
+            <a:schemeClr val="accent1">
+              <a:shade val="50000"/>
+            </a:schemeClr>
+          </a:lnRef>
+          <a:fillRef idx="1">
+            <a:schemeClr val="accent1"/>
+          </a:fillRef>
+          <a:effectRef idx="0">
+            <a:schemeClr val="accent1"/>
+          </a:effectRef>
+          <a:fontRef idx="minor">
+            <a:schemeClr val="lt1"/>
+          </a:fontRef>
+        </p:style>
+        <p:txBody>
+          <a:bodyPr rtlCol="0" anchor="ctr"/>
+          <a:lstStyle/>
+          <a:p>
+            <a:pPr algn="ctr"/>
+            <a:r>
+              <a:rPr lang="en-GB" dirty="0"/>
+              <a:t>Treated</a:t>
+            </a:r>
+          </a:p>
+        </p:txBody>
+      </p:sp>
+      <p:sp>
+        <p:nvSpPr>
+          <p:cNvPr id="17" name="Rectangle 16">
+            <a:extLst>
+              <a:ext uri="{FF2B5EF4-FFF2-40B4-BE49-F238E27FC236}">
+                <a16:creationId xmlns:a16="http://schemas.microsoft.com/office/drawing/2014/main" id="{81D8AB5B-23CF-43EB-A4A9-E382E3CBF60A}"/>
+              </a:ext>
+            </a:extLst>
+          </p:cNvPr>
+          <p:cNvSpPr/>
+          <p:nvPr/>
+        </p:nvSpPr>
+        <p:spPr>
+          <a:xfrm>
+            <a:off x="3522370" y="850004"/>
+            <a:ext cx="1925392" cy="978795"/>
+          </a:xfrm>
+          <a:prstGeom prst="rect">
+            <a:avLst/>
+          </a:prstGeom>
+        </p:spPr>
+        <p:style>
+          <a:lnRef idx="2">
+            <a:schemeClr val="accent1">
+              <a:shade val="50000"/>
+            </a:schemeClr>
+          </a:lnRef>
+          <a:fillRef idx="1">
+            <a:schemeClr val="accent1"/>
+          </a:fillRef>
+          <a:effectRef idx="0">
+            <a:schemeClr val="accent1"/>
+          </a:effectRef>
+          <a:fontRef idx="minor">
+            <a:schemeClr val="lt1"/>
+          </a:fontRef>
+        </p:style>
+        <p:txBody>
+          <a:bodyPr rtlCol="0" anchor="ctr"/>
+          <a:lstStyle/>
+          <a:p>
+            <a:pPr algn="ctr"/>
+            <a:r>
+              <a:rPr lang="en-GB" dirty="0"/>
+              <a:t>Treated</a:t>
+            </a:r>
+          </a:p>
+        </p:txBody>
+      </p:sp>
+    </p:spTree>
+    <p:extLst>
+      <p:ext uri="{BB962C8B-B14F-4D97-AF65-F5344CB8AC3E}">
+        <p14:creationId xmlns:p14="http://schemas.microsoft.com/office/powerpoint/2010/main" val="683223768"/>
+      </p:ext>
+    </p:extLst>
+  </p:cSld>
+  <p:clrMapOvr>
+    <a:masterClrMapping/>
+  </p:clrMapOvr>
+</p:sld>
+</file>
+
 <file path=ppt/theme/theme1.xml><?xml version="1.0" encoding="utf-8"?>
 <a:theme xmlns:a="http://schemas.openxmlformats.org/drawingml/2006/main" name="Office Theme">
   <a:themeElements>
